--- a/slides/c01-Introduction.to.Java.pptx
+++ b/slides/c01-Introduction.to.Java.pptx
@@ -5,10 +5,10 @@
     <p:sldMasterId id="2147483828" r:id="rId1"/>
   </p:sldMasterIdLst>
   <p:notesMasterIdLst>
-    <p:notesMasterId r:id="rId18"/>
+    <p:notesMasterId r:id="rId13"/>
   </p:notesMasterIdLst>
   <p:handoutMasterIdLst>
-    <p:handoutMasterId r:id="rId19"/>
+    <p:handoutMasterId r:id="rId14"/>
   </p:handoutMasterIdLst>
   <p:sldIdLst>
     <p:sldId id="256" r:id="rId2"/>
@@ -19,14 +19,9 @@
     <p:sldId id="269" r:id="rId7"/>
     <p:sldId id="270" r:id="rId8"/>
     <p:sldId id="271" r:id="rId9"/>
-    <p:sldId id="272" r:id="rId10"/>
-    <p:sldId id="280" r:id="rId11"/>
-    <p:sldId id="286" r:id="rId12"/>
-    <p:sldId id="287" r:id="rId13"/>
-    <p:sldId id="288" r:id="rId14"/>
-    <p:sldId id="285" r:id="rId15"/>
-    <p:sldId id="277" r:id="rId16"/>
-    <p:sldId id="284" r:id="rId17"/>
+    <p:sldId id="289" r:id="rId10"/>
+    <p:sldId id="277" r:id="rId11"/>
+    <p:sldId id="284" r:id="rId12"/>
   </p:sldIdLst>
   <p:sldSz cx="9144000" cy="6858000" type="screen4x3"/>
   <p:notesSz cx="6858000" cy="9144000"/>
@@ -241,7 +236,7 @@
             <a:fld id="{B2B2FCEE-F6CE-4B8D-9B1B-4676A6BB0AFB}" type="datetimeFigureOut">
               <a:rPr lang="en-US" smtClean="0"/>
               <a:pPr/>
-              <a:t>9/9/2019</a:t>
+              <a:t>9/7/2020</a:t>
             </a:fld>
             <a:endParaRPr lang="en-US"/>
           </a:p>
@@ -408,7 +403,7 @@
             <a:fld id="{E1764091-E49F-4F14-951E-D59F416DB54B}" type="datetimeFigureOut">
               <a:rPr lang="en-US" smtClean="0"/>
               <a:pPr/>
-              <a:t>9/9/2019</a:t>
+              <a:t>9/7/2020</a:t>
             </a:fld>
             <a:endParaRPr lang="en-US" dirty="0"/>
           </a:p>
@@ -746,7 +741,7 @@
             <a:fld id="{AD57467E-EF7F-44AF-B9AF-5FE8BF649EC0}" type="datetime3">
               <a:rPr lang="en-US" smtClean="0"/>
               <a:pPr/>
-              <a:t>9 September 2019</a:t>
+              <a:t>7 September 2020</a:t>
             </a:fld>
             <a:endParaRPr lang="en-US" smtClean="0"/>
           </a:p>
@@ -889,7 +884,7 @@
             <a:fld id="{D835DF65-93CA-4166-ADB2-A3B117E64BAF}" type="datetime3">
               <a:rPr lang="en-US" smtClean="0"/>
               <a:pPr/>
-              <a:t>9 September 2019</a:t>
+              <a:t>7 September 2020</a:t>
             </a:fld>
             <a:endParaRPr lang="en-US" smtClean="0"/>
           </a:p>
@@ -1032,7 +1027,7 @@
             <a:fld id="{89D59C4D-6885-427C-8B6D-F42276117A0A}" type="datetime3">
               <a:rPr lang="en-US" smtClean="0"/>
               <a:pPr/>
-              <a:t>9 September 2019</a:t>
+              <a:t>7 September 2020</a:t>
             </a:fld>
             <a:endParaRPr lang="en-US" smtClean="0"/>
           </a:p>
@@ -1249,7 +1244,7 @@
             <a:fld id="{D87C679D-3038-424B-B6CF-286ADA9839B2}" type="datetime3">
               <a:rPr lang="en-US" smtClean="0"/>
               <a:pPr/>
-              <a:t>9 September 2019</a:t>
+              <a:t>7 September 2020</a:t>
             </a:fld>
             <a:endParaRPr lang="en-US" smtClean="0"/>
           </a:p>
@@ -1392,7 +1387,7 @@
             <a:fld id="{35CC6A7E-E159-444F-B533-E68DBF1A58E3}" type="datetime3">
               <a:rPr lang="en-US" smtClean="0"/>
               <a:pPr/>
-              <a:t>9 September 2019</a:t>
+              <a:t>7 September 2020</a:t>
             </a:fld>
             <a:endParaRPr lang="en-US" smtClean="0"/>
           </a:p>
@@ -1535,7 +1530,7 @@
             <a:fld id="{93909E8D-1264-4D76-8256-BD37706DBC30}" type="datetime3">
               <a:rPr lang="en-US" smtClean="0"/>
               <a:pPr/>
-              <a:t>9 September 2019</a:t>
+              <a:t>7 September 2020</a:t>
             </a:fld>
             <a:endParaRPr lang="en-US" smtClean="0"/>
           </a:p>
@@ -1678,7 +1673,7 @@
             <a:fld id="{FDF1B9A6-54A1-400F-B6B3-67D41596C46F}" type="datetime3">
               <a:rPr lang="en-US" smtClean="0"/>
               <a:pPr/>
-              <a:t>9 September 2019</a:t>
+              <a:t>7 September 2020</a:t>
             </a:fld>
             <a:endParaRPr lang="en-US" smtClean="0"/>
           </a:p>
@@ -1794,149 +1789,6 @@
       </p:grpSpPr>
       <p:sp>
         <p:nvSpPr>
-          <p:cNvPr id="46082" name="Rectangle 2"/>
-          <p:cNvSpPr>
-            <a:spLocks noGrp="1" noChangeArrowheads="1"/>
-          </p:cNvSpPr>
-          <p:nvPr>
-            <p:ph type="hdr" sz="quarter"/>
-          </p:nvPr>
-        </p:nvSpPr>
-        <p:spPr>
-          <a:noFill/>
-        </p:spPr>
-        <p:txBody>
-          <a:bodyPr/>
-          <a:lstStyle/>
-          <a:p>
-            <a:r>
-              <a:rPr lang="en-US" smtClean="0"/>
-              <a:t>Air Force Institute of Technology</a:t>
-            </a:r>
-          </a:p>
-          <a:p>
-            <a:r>
-              <a:rPr lang="en-US" smtClean="0"/>
-              <a:t>Electrical and Computer Engineering</a:t>
-            </a:r>
-          </a:p>
-        </p:txBody>
-      </p:sp>
-      <p:sp>
-        <p:nvSpPr>
-          <p:cNvPr id="46083" name="Rectangle 3"/>
-          <p:cNvSpPr>
-            <a:spLocks noGrp="1" noChangeArrowheads="1"/>
-          </p:cNvSpPr>
-          <p:nvPr>
-            <p:ph type="dt" sz="quarter" idx="1"/>
-          </p:nvPr>
-        </p:nvSpPr>
-        <p:spPr>
-          <a:noFill/>
-        </p:spPr>
-        <p:txBody>
-          <a:bodyPr/>
-          <a:lstStyle/>
-          <a:p>
-            <a:fld id="{A0B71493-836E-4E98-B368-D3C6038366D3}" type="datetime3">
-              <a:rPr lang="en-US" smtClean="0"/>
-              <a:pPr/>
-              <a:t>9 September 2019</a:t>
-            </a:fld>
-            <a:endParaRPr lang="en-US" smtClean="0"/>
-          </a:p>
-        </p:txBody>
-      </p:sp>
-      <p:sp>
-        <p:nvSpPr>
-          <p:cNvPr id="46084" name="Rectangle 7"/>
-          <p:cNvSpPr>
-            <a:spLocks noGrp="1" noChangeArrowheads="1"/>
-          </p:cNvSpPr>
-          <p:nvPr>
-            <p:ph type="sldNum" sz="quarter" idx="5"/>
-          </p:nvPr>
-        </p:nvSpPr>
-        <p:spPr>
-          <a:noFill/>
-        </p:spPr>
-        <p:txBody>
-          <a:bodyPr/>
-          <a:lstStyle/>
-          <a:p>
-            <a:fld id="{D067355E-2BF9-4A58-879D-D959D85563C5}" type="slidenum">
-              <a:rPr lang="en-US" smtClean="0"/>
-              <a:pPr/>
-              <a:t>9</a:t>
-            </a:fld>
-            <a:endParaRPr lang="en-US" smtClean="0"/>
-          </a:p>
-        </p:txBody>
-      </p:sp>
-      <p:sp>
-        <p:nvSpPr>
-          <p:cNvPr id="46085" name="Rectangle 2"/>
-          <p:cNvSpPr>
-            <a:spLocks noGrp="1" noRot="1" noChangeAspect="1" noChangeArrowheads="1" noTextEdit="1"/>
-          </p:cNvSpPr>
-          <p:nvPr>
-            <p:ph type="sldImg"/>
-          </p:nvPr>
-        </p:nvSpPr>
-        <p:spPr>
-          <a:ln/>
-        </p:spPr>
-      </p:sp>
-      <p:sp>
-        <p:nvSpPr>
-          <p:cNvPr id="46086" name="Rectangle 3"/>
-          <p:cNvSpPr>
-            <a:spLocks noGrp="1" noChangeArrowheads="1"/>
-          </p:cNvSpPr>
-          <p:nvPr>
-            <p:ph type="body" idx="1"/>
-          </p:nvPr>
-        </p:nvSpPr>
-        <p:spPr>
-          <a:noFill/>
-          <a:ln/>
-        </p:spPr>
-        <p:txBody>
-          <a:bodyPr/>
-          <a:lstStyle/>
-          <a:p>
-            <a:endParaRPr lang="en-US" smtClean="0"/>
-          </a:p>
-        </p:txBody>
-      </p:sp>
-    </p:spTree>
-  </p:cSld>
-  <p:clrMapOvr>
-    <a:masterClrMapping/>
-  </p:clrMapOvr>
-</p:notes>
-</file>
-
-<file path=ppt/notesSlides/notesSlide9.xml><?xml version="1.0" encoding="utf-8"?>
-<p:notes xmlns:a="http://schemas.openxmlformats.org/drawingml/2006/main" xmlns:r="http://schemas.openxmlformats.org/officeDocument/2006/relationships" xmlns:p="http://schemas.openxmlformats.org/presentationml/2006/main">
-  <p:cSld>
-    <p:spTree>
-      <p:nvGrpSpPr>
-        <p:cNvPr id="1" name=""/>
-        <p:cNvGrpSpPr/>
-        <p:nvPr/>
-      </p:nvGrpSpPr>
-      <p:grpSpPr>
-        <a:xfrm>
-          <a:off x="0" y="0"/>
-          <a:ext cx="0" cy="0"/>
-          <a:chOff x="0" y="0"/>
-          <a:chExt cx="0" cy="0"/>
-        </a:xfrm>
-      </p:grpSpPr>
-      <p:sp>
-        <p:nvSpPr>
           <p:cNvPr id="50178" name="Rectangle 2"/>
           <p:cNvSpPr>
             <a:spLocks noGrp="1" noChangeArrowheads="1"/>
@@ -1985,7 +1837,7 @@
             <a:fld id="{55503CDE-DA31-4D62-885D-A3826D2E5214}" type="datetime3">
               <a:rPr lang="en-US" smtClean="0"/>
               <a:pPr/>
-              <a:t>9 September 2019</a:t>
+              <a:t>7 September 2020</a:t>
             </a:fld>
             <a:endParaRPr lang="en-US" smtClean="0"/>
           </a:p>
@@ -2011,7 +1863,7 @@
             <a:fld id="{79C90111-05F3-4FBC-B7F0-1CF76DA98805}" type="slidenum">
               <a:rPr lang="en-US" smtClean="0"/>
               <a:pPr/>
-              <a:t>15</a:t>
+              <a:t>10</a:t>
             </a:fld>
             <a:endParaRPr lang="en-US" smtClean="0"/>
           </a:p>
@@ -3539,627 +3391,6 @@
       </p:grpSpPr>
       <p:sp>
         <p:nvSpPr>
-          <p:cNvPr id="2" name="Title 1"/>
-          <p:cNvSpPr>
-            <a:spLocks noGrp="1"/>
-          </p:cNvSpPr>
-          <p:nvPr>
-            <p:ph type="title"/>
-          </p:nvPr>
-        </p:nvSpPr>
-        <p:spPr/>
-        <p:txBody>
-          <a:bodyPr/>
-          <a:lstStyle/>
-          <a:p>
-            <a:r>
-              <a:rPr lang="en-US" sz="4400" dirty="0" smtClean="0"/>
-              <a:t>Download Java </a:t>
-            </a:r>
-            <a:r>
-              <a:rPr lang="en-US" dirty="0"/>
-              <a:t>J</a:t>
-            </a:r>
-            <a:r>
-              <a:rPr lang="en-US" dirty="0" smtClean="0"/>
-              <a:t>DK</a:t>
-            </a:r>
-            <a:endParaRPr lang="en-US" dirty="0"/>
-          </a:p>
-        </p:txBody>
-      </p:sp>
-      <p:pic>
-        <p:nvPicPr>
-          <p:cNvPr id="3" name="Picture 2"/>
-          <p:cNvPicPr>
-            <a:picLocks noChangeAspect="1"/>
-          </p:cNvPicPr>
-          <p:nvPr/>
-        </p:nvPicPr>
-        <p:blipFill>
-          <a:blip r:embed="rId2"/>
-          <a:stretch>
-            <a:fillRect/>
-          </a:stretch>
-        </p:blipFill>
-        <p:spPr>
-          <a:xfrm>
-            <a:off x="152400" y="1295400"/>
-            <a:ext cx="5189927" cy="4514850"/>
-          </a:xfrm>
-          <a:prstGeom prst="rect">
-            <a:avLst/>
-          </a:prstGeom>
-        </p:spPr>
-      </p:pic>
-      <p:sp>
-        <p:nvSpPr>
-          <p:cNvPr id="4" name="TextBox 3"/>
-          <p:cNvSpPr txBox="1"/>
-          <p:nvPr/>
-        </p:nvSpPr>
-        <p:spPr>
-          <a:xfrm>
-            <a:off x="5410200" y="1600200"/>
-            <a:ext cx="3505200" cy="369332"/>
-          </a:xfrm>
-          <a:prstGeom prst="rect">
-            <a:avLst/>
-          </a:prstGeom>
-          <a:noFill/>
-        </p:spPr>
-        <p:txBody>
-          <a:bodyPr wrap="square" rtlCol="0">
-            <a:spAutoFit/>
-          </a:bodyPr>
-          <a:lstStyle/>
-          <a:p>
-            <a:r>
-              <a:rPr lang="en-US" dirty="0">
-                <a:hlinkClick r:id="rId3"/>
-              </a:rPr>
-              <a:t>https://jdk.java.net/12/</a:t>
-            </a:r>
-            <a:endParaRPr lang="en-US" dirty="0"/>
-          </a:p>
-        </p:txBody>
-      </p:sp>
-    </p:spTree>
-  </p:cSld>
-  <p:clrMapOvr>
-    <a:masterClrMapping/>
-  </p:clrMapOvr>
-  <p:timing>
-    <p:tnLst>
-      <p:par>
-        <p:cTn id="1" dur="indefinite" restart="never" nodeType="tmRoot"/>
-      </p:par>
-    </p:tnLst>
-  </p:timing>
-</p:sld>
-</file>
-
-<file path=ppt/slides/slide11.xml><?xml version="1.0" encoding="utf-8"?>
-<p:sld xmlns:a="http://schemas.openxmlformats.org/drawingml/2006/main" xmlns:r="http://schemas.openxmlformats.org/officeDocument/2006/relationships" xmlns:p="http://schemas.openxmlformats.org/presentationml/2006/main">
-  <p:cSld>
-    <p:spTree>
-      <p:nvGrpSpPr>
-        <p:cNvPr id="1" name=""/>
-        <p:cNvGrpSpPr/>
-        <p:nvPr/>
-      </p:nvGrpSpPr>
-      <p:grpSpPr>
-        <a:xfrm>
-          <a:off x="0" y="0"/>
-          <a:ext cx="0" cy="0"/>
-          <a:chOff x="0" y="0"/>
-          <a:chExt cx="0" cy="0"/>
-        </a:xfrm>
-      </p:grpSpPr>
-      <p:sp>
-        <p:nvSpPr>
-          <p:cNvPr id="2" name="Title 1"/>
-          <p:cNvSpPr>
-            <a:spLocks noGrp="1"/>
-          </p:cNvSpPr>
-          <p:nvPr>
-            <p:ph type="title"/>
-          </p:nvPr>
-        </p:nvSpPr>
-        <p:spPr/>
-        <p:txBody>
-          <a:bodyPr/>
-          <a:lstStyle/>
-          <a:p>
-            <a:r>
-              <a:rPr lang="en-US" dirty="0" smtClean="0"/>
-              <a:t>Setup your machine’s Environment</a:t>
-            </a:r>
-            <a:endParaRPr lang="en-US" dirty="0"/>
-          </a:p>
-        </p:txBody>
-      </p:sp>
-      <p:sp>
-        <p:nvSpPr>
-          <p:cNvPr id="3" name="Content Placeholder 2"/>
-          <p:cNvSpPr>
-            <a:spLocks noGrp="1"/>
-          </p:cNvSpPr>
-          <p:nvPr>
-            <p:ph idx="1"/>
-          </p:nvPr>
-        </p:nvSpPr>
-        <p:spPr>
-          <a:xfrm>
-            <a:off x="457200" y="3810000"/>
-            <a:ext cx="8229600" cy="2438400"/>
-          </a:xfrm>
-        </p:spPr>
-        <p:txBody>
-          <a:bodyPr/>
-          <a:lstStyle/>
-          <a:p>
-            <a:r>
-              <a:rPr lang="en-US" sz="2800" dirty="0"/>
-              <a:t>JAVA_HOME=C:\Program </a:t>
-            </a:r>
-            <a:r>
-              <a:rPr lang="en-US" sz="2800" dirty="0" smtClean="0"/>
-              <a:t>Files\Java\jdk-12.0.2</a:t>
-            </a:r>
-          </a:p>
-          <a:p>
-            <a:r>
-              <a:rPr lang="en-US" sz="2800" dirty="0" smtClean="0"/>
-              <a:t>PATH=%PATH%;C</a:t>
-            </a:r>
-            <a:r>
-              <a:rPr lang="en-US" sz="2800" dirty="0"/>
-              <a:t>:\Program </a:t>
-            </a:r>
-            <a:r>
-              <a:rPr lang="en-US" sz="2800" dirty="0" smtClean="0"/>
-              <a:t>Files\Java\jdk-12.0.2\bin</a:t>
-            </a:r>
-          </a:p>
-          <a:p>
-            <a:pPr lvl="1"/>
-            <a:r>
-              <a:rPr lang="en-US" sz="2400" dirty="0" smtClean="0"/>
-              <a:t>Windows</a:t>
-            </a:r>
-          </a:p>
-          <a:p>
-            <a:r>
-              <a:rPr lang="en-US" sz="2800" dirty="0" smtClean="0"/>
-              <a:t>PATH=$PATH:/</a:t>
-            </a:r>
-            <a:r>
-              <a:rPr lang="en-US" sz="2800" dirty="0" err="1" smtClean="0"/>
-              <a:t>dir</a:t>
-            </a:r>
-            <a:r>
-              <a:rPr lang="en-US" sz="2800" dirty="0" smtClean="0"/>
-              <a:t>/to/bin</a:t>
-            </a:r>
-          </a:p>
-          <a:p>
-            <a:pPr lvl="1"/>
-            <a:r>
-              <a:rPr lang="en-US" sz="2400" smtClean="0"/>
-              <a:t>Linux / OS X</a:t>
-            </a:r>
-            <a:endParaRPr lang="en-US" sz="2400" dirty="0"/>
-          </a:p>
-        </p:txBody>
-      </p:sp>
-      <p:pic>
-        <p:nvPicPr>
-          <p:cNvPr id="5" name="Picture 4"/>
-          <p:cNvPicPr>
-            <a:picLocks noChangeAspect="1"/>
-          </p:cNvPicPr>
-          <p:nvPr/>
-        </p:nvPicPr>
-        <p:blipFill>
-          <a:blip r:embed="rId2"/>
-          <a:stretch>
-            <a:fillRect/>
-          </a:stretch>
-        </p:blipFill>
-        <p:spPr>
-          <a:xfrm>
-            <a:off x="152400" y="1160726"/>
-            <a:ext cx="7058025" cy="2626414"/>
-          </a:xfrm>
-          <a:prstGeom prst="rect">
-            <a:avLst/>
-          </a:prstGeom>
-        </p:spPr>
-      </p:pic>
-    </p:spTree>
-    <p:extLst>
-      <p:ext uri="{BB962C8B-B14F-4D97-AF65-F5344CB8AC3E}">
-        <p14:creationId xmlns:p14="http://schemas.microsoft.com/office/powerpoint/2010/main" val="3263703456"/>
-      </p:ext>
-    </p:extLst>
-  </p:cSld>
-  <p:clrMapOvr>
-    <a:masterClrMapping/>
-  </p:clrMapOvr>
-</p:sld>
-</file>
-
-<file path=ppt/slides/slide12.xml><?xml version="1.0" encoding="utf-8"?>
-<p:sld xmlns:a="http://schemas.openxmlformats.org/drawingml/2006/main" xmlns:r="http://schemas.openxmlformats.org/officeDocument/2006/relationships" xmlns:p="http://schemas.openxmlformats.org/presentationml/2006/main">
-  <p:cSld>
-    <p:spTree>
-      <p:nvGrpSpPr>
-        <p:cNvPr id="1" name=""/>
-        <p:cNvGrpSpPr/>
-        <p:nvPr/>
-      </p:nvGrpSpPr>
-      <p:grpSpPr>
-        <a:xfrm>
-          <a:off x="0" y="0"/>
-          <a:ext cx="0" cy="0"/>
-          <a:chOff x="0" y="0"/>
-          <a:chExt cx="0" cy="0"/>
-        </a:xfrm>
-      </p:grpSpPr>
-      <p:sp>
-        <p:nvSpPr>
-          <p:cNvPr id="2" name="Title 1"/>
-          <p:cNvSpPr>
-            <a:spLocks noGrp="1"/>
-          </p:cNvSpPr>
-          <p:nvPr>
-            <p:ph type="title"/>
-          </p:nvPr>
-        </p:nvSpPr>
-        <p:spPr/>
-        <p:txBody>
-          <a:bodyPr/>
-          <a:lstStyle/>
-          <a:p>
-            <a:r>
-              <a:rPr lang="en-US" dirty="0" smtClean="0"/>
-              <a:t>Set PATH. Set JAVA_HOME </a:t>
-            </a:r>
-            <a:r>
-              <a:rPr lang="en-US" dirty="0" err="1" smtClean="0"/>
-              <a:t>env</a:t>
-            </a:r>
-            <a:r>
-              <a:rPr lang="en-US" dirty="0" smtClean="0"/>
-              <a:t> </a:t>
-            </a:r>
-            <a:r>
-              <a:rPr lang="en-US" dirty="0" err="1" smtClean="0"/>
-              <a:t>var</a:t>
-            </a:r>
-            <a:endParaRPr lang="en-US" dirty="0"/>
-          </a:p>
-        </p:txBody>
-      </p:sp>
-      <p:pic>
-        <p:nvPicPr>
-          <p:cNvPr id="5" name="Content Placeholder 4"/>
-          <p:cNvPicPr>
-            <a:picLocks noGrp="1" noChangeAspect="1"/>
-          </p:cNvPicPr>
-          <p:nvPr>
-            <p:ph idx="1"/>
-          </p:nvPr>
-        </p:nvPicPr>
-        <p:blipFill>
-          <a:blip r:embed="rId2"/>
-          <a:stretch>
-            <a:fillRect/>
-          </a:stretch>
-        </p:blipFill>
-        <p:spPr>
-          <a:xfrm>
-            <a:off x="4484779" y="1143001"/>
-            <a:ext cx="4659221" cy="4953000"/>
-          </a:xfrm>
-          <a:prstGeom prst="rect">
-            <a:avLst/>
-          </a:prstGeom>
-        </p:spPr>
-      </p:pic>
-      <p:pic>
-        <p:nvPicPr>
-          <p:cNvPr id="4" name="Picture 3"/>
-          <p:cNvPicPr>
-            <a:picLocks noChangeAspect="1"/>
-          </p:cNvPicPr>
-          <p:nvPr/>
-        </p:nvPicPr>
-        <p:blipFill>
-          <a:blip r:embed="rId3"/>
-          <a:stretch>
-            <a:fillRect/>
-          </a:stretch>
-        </p:blipFill>
-        <p:spPr>
-          <a:xfrm>
-            <a:off x="76200" y="1143001"/>
-            <a:ext cx="3949501" cy="4343400"/>
-          </a:xfrm>
-          <a:prstGeom prst="rect">
-            <a:avLst/>
-          </a:prstGeom>
-        </p:spPr>
-      </p:pic>
-    </p:spTree>
-    <p:extLst>
-      <p:ext uri="{BB962C8B-B14F-4D97-AF65-F5344CB8AC3E}">
-        <p14:creationId xmlns:p14="http://schemas.microsoft.com/office/powerpoint/2010/main" val="2904256120"/>
-      </p:ext>
-    </p:extLst>
-  </p:cSld>
-  <p:clrMapOvr>
-    <a:masterClrMapping/>
-  </p:clrMapOvr>
-</p:sld>
-</file>
-
-<file path=ppt/slides/slide13.xml><?xml version="1.0" encoding="utf-8"?>
-<p:sld xmlns:a="http://schemas.openxmlformats.org/drawingml/2006/main" xmlns:r="http://schemas.openxmlformats.org/officeDocument/2006/relationships" xmlns:p="http://schemas.openxmlformats.org/presentationml/2006/main">
-  <p:cSld>
-    <p:spTree>
-      <p:nvGrpSpPr>
-        <p:cNvPr id="1" name=""/>
-        <p:cNvGrpSpPr/>
-        <p:nvPr/>
-      </p:nvGrpSpPr>
-      <p:grpSpPr>
-        <a:xfrm>
-          <a:off x="0" y="0"/>
-          <a:ext cx="0" cy="0"/>
-          <a:chOff x="0" y="0"/>
-          <a:chExt cx="0" cy="0"/>
-        </a:xfrm>
-      </p:grpSpPr>
-      <p:sp>
-        <p:nvSpPr>
-          <p:cNvPr id="2" name="Title 1"/>
-          <p:cNvSpPr>
-            <a:spLocks noGrp="1"/>
-          </p:cNvSpPr>
-          <p:nvPr>
-            <p:ph type="title"/>
-          </p:nvPr>
-        </p:nvSpPr>
-        <p:spPr/>
-        <p:txBody>
-          <a:bodyPr/>
-          <a:lstStyle/>
-          <a:p>
-            <a:r>
-              <a:rPr lang="en-US" dirty="0" smtClean="0"/>
-              <a:t>Test path from Command Window</a:t>
-            </a:r>
-            <a:endParaRPr lang="en-US" dirty="0"/>
-          </a:p>
-        </p:txBody>
-      </p:sp>
-      <p:sp>
-        <p:nvSpPr>
-          <p:cNvPr id="3" name="Content Placeholder 2"/>
-          <p:cNvSpPr>
-            <a:spLocks noGrp="1"/>
-          </p:cNvSpPr>
-          <p:nvPr>
-            <p:ph idx="1"/>
-          </p:nvPr>
-        </p:nvSpPr>
-        <p:spPr/>
-        <p:txBody>
-          <a:bodyPr/>
-          <a:lstStyle/>
-          <a:p>
-            <a:endParaRPr lang="en-US"/>
-          </a:p>
-        </p:txBody>
-      </p:sp>
-      <p:pic>
-        <p:nvPicPr>
-          <p:cNvPr id="4" name="Picture 3"/>
-          <p:cNvPicPr>
-            <a:picLocks noChangeAspect="1"/>
-          </p:cNvPicPr>
-          <p:nvPr/>
-        </p:nvPicPr>
-        <p:blipFill>
-          <a:blip r:embed="rId2"/>
-          <a:stretch>
-            <a:fillRect/>
-          </a:stretch>
-        </p:blipFill>
-        <p:spPr>
-          <a:xfrm>
-            <a:off x="1419225" y="2043112"/>
-            <a:ext cx="6305550" cy="2771775"/>
-          </a:xfrm>
-          <a:prstGeom prst="rect">
-            <a:avLst/>
-          </a:prstGeom>
-        </p:spPr>
-      </p:pic>
-    </p:spTree>
-    <p:extLst>
-      <p:ext uri="{BB962C8B-B14F-4D97-AF65-F5344CB8AC3E}">
-        <p14:creationId xmlns:p14="http://schemas.microsoft.com/office/powerpoint/2010/main" val="1221252986"/>
-      </p:ext>
-    </p:extLst>
-  </p:cSld>
-  <p:clrMapOvr>
-    <a:masterClrMapping/>
-  </p:clrMapOvr>
-</p:sld>
-</file>
-
-<file path=ppt/slides/slide14.xml><?xml version="1.0" encoding="utf-8"?>
-<p:sld xmlns:a="http://schemas.openxmlformats.org/drawingml/2006/main" xmlns:r="http://schemas.openxmlformats.org/officeDocument/2006/relationships" xmlns:p="http://schemas.openxmlformats.org/presentationml/2006/main">
-  <p:cSld>
-    <p:spTree>
-      <p:nvGrpSpPr>
-        <p:cNvPr id="1" name=""/>
-        <p:cNvGrpSpPr/>
-        <p:nvPr/>
-      </p:nvGrpSpPr>
-      <p:grpSpPr>
-        <a:xfrm>
-          <a:off x="0" y="0"/>
-          <a:ext cx="0" cy="0"/>
-          <a:chOff x="0" y="0"/>
-          <a:chExt cx="0" cy="0"/>
-        </a:xfrm>
-      </p:grpSpPr>
-      <p:sp>
-        <p:nvSpPr>
-          <p:cNvPr id="2" name="Title 1"/>
-          <p:cNvSpPr>
-            <a:spLocks noGrp="1"/>
-          </p:cNvSpPr>
-          <p:nvPr>
-            <p:ph type="title"/>
-          </p:nvPr>
-        </p:nvSpPr>
-        <p:spPr/>
-        <p:txBody>
-          <a:bodyPr/>
-          <a:lstStyle/>
-          <a:p>
-            <a:r>
-              <a:rPr lang="en-US" dirty="0" smtClean="0"/>
-              <a:t>VS Code w/ Java Extension Pack</a:t>
-            </a:r>
-            <a:endParaRPr lang="en-US" dirty="0"/>
-          </a:p>
-        </p:txBody>
-      </p:sp>
-      <p:sp>
-        <p:nvSpPr>
-          <p:cNvPr id="3" name="Content Placeholder 2"/>
-          <p:cNvSpPr>
-            <a:spLocks noGrp="1"/>
-          </p:cNvSpPr>
-          <p:nvPr>
-            <p:ph idx="1"/>
-          </p:nvPr>
-        </p:nvSpPr>
-        <p:spPr/>
-        <p:txBody>
-          <a:bodyPr/>
-          <a:lstStyle/>
-          <a:p>
-            <a:r>
-              <a:rPr lang="en-US" dirty="0" smtClean="0"/>
-              <a:t>To open multiple java files,</a:t>
-            </a:r>
-            <a:br>
-              <a:rPr lang="en-US" dirty="0" smtClean="0"/>
-            </a:br>
-            <a:r>
-              <a:rPr lang="en-US" dirty="0" smtClean="0"/>
-              <a:t>open VS Code to the root</a:t>
-            </a:r>
-            <a:br>
-              <a:rPr lang="en-US" dirty="0" smtClean="0"/>
-            </a:br>
-            <a:r>
-              <a:rPr lang="en-US" dirty="0" smtClean="0"/>
-              <a:t>folder.</a:t>
-            </a:r>
-          </a:p>
-          <a:p>
-            <a:r>
-              <a:rPr lang="en-US" dirty="0" smtClean="0"/>
-              <a:t>May need to click through</a:t>
-            </a:r>
-            <a:br>
-              <a:rPr lang="en-US" dirty="0" smtClean="0"/>
-            </a:br>
-            <a:r>
-              <a:rPr lang="en-US" dirty="0" smtClean="0"/>
-              <a:t>each file before VS Code</a:t>
-            </a:r>
-            <a:br>
-              <a:rPr lang="en-US" dirty="0" smtClean="0"/>
-            </a:br>
-            <a:r>
-              <a:rPr lang="en-US" dirty="0" smtClean="0"/>
-              <a:t>indexes each file and properly</a:t>
-            </a:r>
-            <a:br>
-              <a:rPr lang="en-US" dirty="0" smtClean="0"/>
-            </a:br>
-            <a:r>
-              <a:rPr lang="en-US" dirty="0" smtClean="0"/>
-              <a:t>compiles all needed files.</a:t>
-            </a:r>
-          </a:p>
-        </p:txBody>
-      </p:sp>
-      <p:pic>
-        <p:nvPicPr>
-          <p:cNvPr id="4" name="Picture 3"/>
-          <p:cNvPicPr>
-            <a:picLocks noChangeAspect="1"/>
-          </p:cNvPicPr>
-          <p:nvPr/>
-        </p:nvPicPr>
-        <p:blipFill>
-          <a:blip r:embed="rId2"/>
-          <a:stretch>
-            <a:fillRect/>
-          </a:stretch>
-        </p:blipFill>
-        <p:spPr>
-          <a:xfrm>
-            <a:off x="5791200" y="1219200"/>
-            <a:ext cx="3282788" cy="4019550"/>
-          </a:xfrm>
-          <a:prstGeom prst="rect">
-            <a:avLst/>
-          </a:prstGeom>
-        </p:spPr>
-      </p:pic>
-    </p:spTree>
-    <p:extLst>
-      <p:ext uri="{BB962C8B-B14F-4D97-AF65-F5344CB8AC3E}">
-        <p14:creationId xmlns:p14="http://schemas.microsoft.com/office/powerpoint/2010/main" val="4047196030"/>
-      </p:ext>
-    </p:extLst>
-  </p:cSld>
-  <p:clrMapOvr>
-    <a:masterClrMapping/>
-  </p:clrMapOvr>
-</p:sld>
-</file>
-
-<file path=ppt/slides/slide15.xml><?xml version="1.0" encoding="utf-8"?>
-<p:sld xmlns:a="http://schemas.openxmlformats.org/drawingml/2006/main" xmlns:r="http://schemas.openxmlformats.org/officeDocument/2006/relationships" xmlns:p="http://schemas.openxmlformats.org/presentationml/2006/main">
-  <p:cSld>
-    <p:spTree>
-      <p:nvGrpSpPr>
-        <p:cNvPr id="1" name=""/>
-        <p:cNvGrpSpPr/>
-        <p:nvPr/>
-      </p:nvGrpSpPr>
-      <p:grpSpPr>
-        <a:xfrm>
-          <a:off x="0" y="0"/>
-          <a:ext cx="0" cy="0"/>
-          <a:chOff x="0" y="0"/>
-          <a:chExt cx="0" cy="0"/>
-        </a:xfrm>
-      </p:grpSpPr>
-      <p:sp>
-        <p:nvSpPr>
           <p:cNvPr id="24578" name="Rectangle 2"/>
           <p:cNvSpPr>
             <a:spLocks noGrp="1" noChangeArrowheads="1"/>
@@ -4233,7 +3464,7 @@
 </p:sld>
 </file>
 
-<file path=ppt/slides/slide16.xml><?xml version="1.0" encoding="utf-8"?>
+<file path=ppt/slides/slide11.xml><?xml version="1.0" encoding="utf-8"?>
 <p:sld xmlns:a="http://schemas.openxmlformats.org/drawingml/2006/main" xmlns:r="http://schemas.openxmlformats.org/officeDocument/2006/relationships" xmlns:p="http://schemas.openxmlformats.org/presentationml/2006/main">
   <p:cSld>
     <p:spTree>
@@ -4608,13 +3839,8 @@
             <a:pPr lvl="1" eaLnBrk="1" hangingPunct="1"/>
             <a:r>
               <a:rPr lang="en-US" sz="1800" dirty="0" smtClean="0"/>
-              <a:t>A first-person shooter game computes a virtual world and </a:t>
-            </a:r>
-            <a:r>
-              <a:rPr lang="en-US" sz="1800" dirty="0" smtClean="0"/>
-              <a:t>gratuitious violence</a:t>
-            </a:r>
-            <a:endParaRPr lang="en-US" sz="1800" dirty="0" smtClean="0"/>
+              <a:t>A first-person shooter game computes a virtual world and gratuitious violence</a:t>
+            </a:r>
           </a:p>
           <a:p>
             <a:pPr lvl="1" eaLnBrk="1" hangingPunct="1"/>
@@ -6373,9 +5599,9 @@
       </p:grpSpPr>
       <p:sp>
         <p:nvSpPr>
-          <p:cNvPr id="18434" name="Rectangle 6"/>
-          <p:cNvSpPr>
-            <a:spLocks noGrp="1" noChangeArrowheads="1"/>
+          <p:cNvPr id="2" name="Title 1"/>
+          <p:cNvSpPr>
+            <a:spLocks noGrp="1"/>
           </p:cNvSpPr>
           <p:nvPr>
             <p:ph type="title"/>
@@ -6386,19 +5612,19 @@
           <a:bodyPr/>
           <a:lstStyle/>
           <a:p>
-            <a:pPr eaLnBrk="1" hangingPunct="1"/>
-            <a:r>
-              <a:rPr lang="en-US" sz="3200" dirty="0" smtClean="0"/>
-              <a:t>Setting Up a Java Development Environment</a:t>
-            </a:r>
-          </a:p>
-        </p:txBody>
-      </p:sp>
-      <p:sp>
-        <p:nvSpPr>
-          <p:cNvPr id="18435" name="Rectangle 7"/>
-          <p:cNvSpPr>
-            <a:spLocks noGrp="1" noChangeArrowheads="1"/>
+            <a:r>
+              <a:rPr lang="en-US" dirty="0" smtClean="0"/>
+              <a:t>Setup JAVA</a:t>
+            </a:r>
+            <a:endParaRPr lang="en-US" dirty="0"/>
+          </a:p>
+        </p:txBody>
+      </p:sp>
+      <p:sp>
+        <p:nvSpPr>
+          <p:cNvPr id="3" name="Content Placeholder 2"/>
+          <p:cNvSpPr>
+            <a:spLocks noGrp="1"/>
           </p:cNvSpPr>
           <p:nvPr>
             <p:ph idx="1"/>
@@ -6409,48 +5635,69 @@
           <a:bodyPr/>
           <a:lstStyle/>
           <a:p>
-            <a:pPr eaLnBrk="1" hangingPunct="1"/>
-            <a:r>
-              <a:rPr lang="en-US" sz="2800" dirty="0" smtClean="0"/>
-              <a:t>Download and install Java Software Development Kit (JDK)</a:t>
-            </a:r>
-          </a:p>
-          <a:p>
-            <a:pPr eaLnBrk="1" hangingPunct="1"/>
-            <a:endParaRPr lang="en-US" sz="2800" dirty="0" smtClean="0"/>
-          </a:p>
-          <a:p>
-            <a:pPr eaLnBrk="1" hangingPunct="1"/>
-            <a:r>
-              <a:rPr lang="en-US" sz="2800" dirty="0" smtClean="0"/>
-              <a:t>Download and VS Code (IDE)</a:t>
-            </a:r>
-          </a:p>
-          <a:p>
-            <a:pPr eaLnBrk="1" hangingPunct="1"/>
-            <a:endParaRPr lang="en-US" sz="2800" dirty="0" smtClean="0"/>
-          </a:p>
-          <a:p>
-            <a:pPr eaLnBrk="1" hangingPunct="1"/>
-            <a:r>
-              <a:rPr lang="en-US" sz="2800" dirty="0" smtClean="0"/>
-              <a:t>Install the “Java Extension Pack” extension</a:t>
-            </a:r>
+            <a:r>
+              <a:rPr lang="en-US" dirty="0" smtClean="0"/>
+              <a:t>Walk Thru the slides at:</a:t>
+            </a:r>
+          </a:p>
+          <a:p>
+            <a:r>
+              <a:rPr lang="en-US" dirty="0"/>
+              <a:t>"C:\repos\csce093\setupVSCode_and_JDK\000-Setup VS Code and </a:t>
+            </a:r>
+            <a:r>
+              <a:rPr lang="en-US" dirty="0" smtClean="0"/>
+              <a:t>JDK.pptx“</a:t>
+            </a:r>
+          </a:p>
+          <a:p>
+            <a:r>
+              <a:rPr lang="en-US" dirty="0" smtClean="0"/>
+              <a:t>My YouTube Video showing this:</a:t>
+            </a:r>
+          </a:p>
+          <a:p>
+            <a:r>
+              <a:rPr lang="en-US" dirty="0">
+                <a:hlinkClick r:id="rId2"/>
+              </a:rPr>
+              <a:t>https://</a:t>
+            </a:r>
+            <a:r>
+              <a:rPr lang="en-US" dirty="0" smtClean="0">
+                <a:hlinkClick r:id="rId2"/>
+              </a:rPr>
+              <a:t>www.youtube.com/watch?v=6LCYam-GgjE</a:t>
+            </a:r>
+            <a:endParaRPr lang="en-US" dirty="0" smtClean="0"/>
+          </a:p>
+          <a:p>
+            <a:r>
+              <a:rPr lang="en-US" dirty="0" smtClean="0"/>
+              <a:t>Install </a:t>
+            </a:r>
+            <a:r>
+              <a:rPr lang="en-US" dirty="0" err="1" smtClean="0"/>
+              <a:t>OpenJDK</a:t>
+            </a:r>
+            <a:r>
+              <a:rPr lang="en-US" smtClean="0"/>
+              <a:t> and VS Code</a:t>
+            </a:r>
+            <a:endParaRPr lang="en-US" dirty="0"/>
           </a:p>
         </p:txBody>
       </p:sp>
     </p:spTree>
+    <p:extLst>
+      <p:ext uri="{BB962C8B-B14F-4D97-AF65-F5344CB8AC3E}">
+        <p14:creationId xmlns:p14="http://schemas.microsoft.com/office/powerpoint/2010/main" val="1923530735"/>
+      </p:ext>
+    </p:extLst>
   </p:cSld>
   <p:clrMapOvr>
     <a:masterClrMapping/>
   </p:clrMapOvr>
-  <p:timing>
-    <p:tnLst>
-      <p:par>
-        <p:cTn id="1" dur="indefinite" restart="never" nodeType="tmRoot"/>
-      </p:par>
-    </p:tnLst>
-  </p:timing>
 </p:sld>
 </file>
 

--- a/slides/c01-Introduction.to.Java.pptx
+++ b/slides/c01-Introduction.to.Java.pptx
@@ -5,10 +5,10 @@
     <p:sldMasterId id="2147483828" r:id="rId1"/>
   </p:sldMasterIdLst>
   <p:notesMasterIdLst>
-    <p:notesMasterId r:id="rId13"/>
+    <p:notesMasterId r:id="rId12"/>
   </p:notesMasterIdLst>
   <p:handoutMasterIdLst>
-    <p:handoutMasterId r:id="rId14"/>
+    <p:handoutMasterId r:id="rId13"/>
   </p:handoutMasterIdLst>
   <p:sldIdLst>
     <p:sldId id="256" r:id="rId2"/>
@@ -21,7 +21,6 @@
     <p:sldId id="271" r:id="rId9"/>
     <p:sldId id="289" r:id="rId10"/>
     <p:sldId id="277" r:id="rId11"/>
-    <p:sldId id="284" r:id="rId12"/>
   </p:sldIdLst>
   <p:sldSz cx="9144000" cy="6858000" type="screen4x3"/>
   <p:notesSz cx="6858000" cy="9144000"/>
@@ -236,7 +235,7 @@
             <a:fld id="{B2B2FCEE-F6CE-4B8D-9B1B-4676A6BB0AFB}" type="datetimeFigureOut">
               <a:rPr lang="en-US" smtClean="0"/>
               <a:pPr/>
-              <a:t>9/7/2020</a:t>
+              <a:t>9/13/2021</a:t>
             </a:fld>
             <a:endParaRPr lang="en-US"/>
           </a:p>
@@ -403,7 +402,7 @@
             <a:fld id="{E1764091-E49F-4F14-951E-D59F416DB54B}" type="datetimeFigureOut">
               <a:rPr lang="en-US" smtClean="0"/>
               <a:pPr/>
-              <a:t>9/7/2020</a:t>
+              <a:t>9/13/2021</a:t>
             </a:fld>
             <a:endParaRPr lang="en-US" dirty="0"/>
           </a:p>
@@ -469,38 +468,37 @@
           <a:p>
             <a:pPr lvl="0"/>
             <a:r>
-              <a:rPr lang="en-US" smtClean="0"/>
+              <a:rPr lang="en-US"/>
               <a:t>Click to edit Master text styles</a:t>
             </a:r>
           </a:p>
           <a:p>
             <a:pPr lvl="1"/>
             <a:r>
-              <a:rPr lang="en-US" smtClean="0"/>
+              <a:rPr lang="en-US"/>
               <a:t>Second level</a:t>
             </a:r>
           </a:p>
           <a:p>
             <a:pPr lvl="2"/>
             <a:r>
-              <a:rPr lang="en-US" smtClean="0"/>
+              <a:rPr lang="en-US"/>
               <a:t>Third level</a:t>
             </a:r>
           </a:p>
           <a:p>
             <a:pPr lvl="3"/>
             <a:r>
-              <a:rPr lang="en-US" smtClean="0"/>
+              <a:rPr lang="en-US"/>
               <a:t>Fourth level</a:t>
             </a:r>
           </a:p>
           <a:p>
             <a:pPr lvl="4"/>
             <a:r>
-              <a:rPr lang="en-US" smtClean="0"/>
+              <a:rPr lang="en-US"/>
               <a:t>Fifth level</a:t>
             </a:r>
-            <a:endParaRPr lang="en-US"/>
           </a:p>
         </p:txBody>
       </p:sp>
@@ -709,13 +707,13 @@
           <a:lstStyle/>
           <a:p>
             <a:r>
-              <a:rPr lang="en-US" smtClean="0"/>
+              <a:rPr lang="en-US"/>
               <a:t>Air Force Institute of Technology</a:t>
             </a:r>
           </a:p>
           <a:p>
             <a:r>
-              <a:rPr lang="en-US" smtClean="0"/>
+              <a:rPr lang="en-US"/>
               <a:t>Electrical and Computer Engineering</a:t>
             </a:r>
           </a:p>
@@ -741,9 +739,9 @@
             <a:fld id="{AD57467E-EF7F-44AF-B9AF-5FE8BF649EC0}" type="datetime3">
               <a:rPr lang="en-US" smtClean="0"/>
               <a:pPr/>
-              <a:t>7 September 2020</a:t>
+              <a:t>13 September 2021</a:t>
             </a:fld>
-            <a:endParaRPr lang="en-US" smtClean="0"/>
+            <a:endParaRPr lang="en-US"/>
           </a:p>
         </p:txBody>
       </p:sp>
@@ -769,7 +767,7 @@
               <a:pPr/>
               <a:t>2</a:t>
             </a:fld>
-            <a:endParaRPr lang="en-US" smtClean="0"/>
+            <a:endParaRPr lang="en-US"/>
           </a:p>
         </p:txBody>
       </p:sp>
@@ -805,7 +803,7 @@
           <a:bodyPr/>
           <a:lstStyle/>
           <a:p>
-            <a:endParaRPr lang="en-US" smtClean="0"/>
+            <a:endParaRPr lang="en-US"/>
           </a:p>
         </p:txBody>
       </p:sp>
@@ -852,13 +850,13 @@
           <a:lstStyle/>
           <a:p>
             <a:r>
-              <a:rPr lang="en-US" smtClean="0"/>
+              <a:rPr lang="en-US"/>
               <a:t>Air Force Institute of Technology</a:t>
             </a:r>
           </a:p>
           <a:p>
             <a:r>
-              <a:rPr lang="en-US" smtClean="0"/>
+              <a:rPr lang="en-US"/>
               <a:t>Electrical and Computer Engineering</a:t>
             </a:r>
           </a:p>
@@ -884,9 +882,9 @@
             <a:fld id="{D835DF65-93CA-4166-ADB2-A3B117E64BAF}" type="datetime3">
               <a:rPr lang="en-US" smtClean="0"/>
               <a:pPr/>
-              <a:t>7 September 2020</a:t>
+              <a:t>13 September 2021</a:t>
             </a:fld>
-            <a:endParaRPr lang="en-US" smtClean="0"/>
+            <a:endParaRPr lang="en-US"/>
           </a:p>
         </p:txBody>
       </p:sp>
@@ -912,7 +910,7 @@
               <a:pPr/>
               <a:t>3</a:t>
             </a:fld>
-            <a:endParaRPr lang="en-US" smtClean="0"/>
+            <a:endParaRPr lang="en-US"/>
           </a:p>
         </p:txBody>
       </p:sp>
@@ -948,7 +946,7 @@
           <a:bodyPr/>
           <a:lstStyle/>
           <a:p>
-            <a:endParaRPr lang="en-US" smtClean="0"/>
+            <a:endParaRPr lang="en-US"/>
           </a:p>
         </p:txBody>
       </p:sp>
@@ -995,13 +993,13 @@
           <a:lstStyle/>
           <a:p>
             <a:r>
-              <a:rPr lang="en-US" smtClean="0"/>
+              <a:rPr lang="en-US"/>
               <a:t>Air Force Institute of Technology</a:t>
             </a:r>
           </a:p>
           <a:p>
             <a:r>
-              <a:rPr lang="en-US" smtClean="0"/>
+              <a:rPr lang="en-US"/>
               <a:t>Electrical and Computer Engineering</a:t>
             </a:r>
           </a:p>
@@ -1027,9 +1025,9 @@
             <a:fld id="{89D59C4D-6885-427C-8B6D-F42276117A0A}" type="datetime3">
               <a:rPr lang="en-US" smtClean="0"/>
               <a:pPr/>
-              <a:t>7 September 2020</a:t>
+              <a:t>13 September 2021</a:t>
             </a:fld>
-            <a:endParaRPr lang="en-US" smtClean="0"/>
+            <a:endParaRPr lang="en-US"/>
           </a:p>
         </p:txBody>
       </p:sp>
@@ -1055,7 +1053,7 @@
               <a:pPr/>
               <a:t>4</a:t>
             </a:fld>
-            <a:endParaRPr lang="en-US" smtClean="0"/>
+            <a:endParaRPr lang="en-US"/>
           </a:p>
         </p:txBody>
       </p:sp>
@@ -1095,75 +1093,75 @@
               <a:buNone/>
             </a:pPr>
             <a:r>
-              <a:rPr lang="en-US" sz="900" smtClean="0"/>
+              <a:rPr lang="en-US" sz="900"/>
               <a:t>A program always has two audiences</a:t>
             </a:r>
           </a:p>
           <a:p>
             <a:pPr lvl="1"/>
             <a:r>
-              <a:rPr lang="en-US" sz="900" smtClean="0"/>
+              <a:rPr lang="en-US" sz="900"/>
               <a:t>One is people—the ones who create the program in the first place and the ones that have to maintain it.  A program needs to be intelligible to people.</a:t>
             </a:r>
           </a:p>
           <a:p>
             <a:pPr lvl="1"/>
             <a:r>
-              <a:rPr lang="en-US" sz="900" smtClean="0"/>
+              <a:rPr lang="en-US" sz="900"/>
               <a:t>The other is machines—the devices that store and execute streams of instructions at high speed.  Each make and model of computer chip (or CPU) has its own unique set of very primitive instructions that it can execute.  Such devices lead mind-numbing existences—read the next instruction, execute it, repeat.  Millions (or billions) of times each second, for days or years on end.</a:t>
             </a:r>
           </a:p>
           <a:p>
             <a:r>
-              <a:rPr lang="en-US" sz="900" smtClean="0"/>
+              <a:rPr lang="en-US" sz="900"/>
               <a:t>There are two kinds of translator</a:t>
             </a:r>
           </a:p>
           <a:p>
             <a:pPr lvl="1"/>
             <a:r>
-              <a:rPr lang="en-US" sz="900" smtClean="0"/>
+              <a:rPr lang="en-US" sz="900"/>
               <a:t>A </a:t>
             </a:r>
             <a:r>
-              <a:rPr lang="en-US" sz="900" i="1" smtClean="0"/>
+              <a:rPr lang="en-US" sz="900" i="1"/>
               <a:t>compiler</a:t>
             </a:r>
             <a:r>
-              <a:rPr lang="en-US" sz="900" smtClean="0"/>
+              <a:rPr lang="en-US" sz="900"/>
               <a:t> takes a program in the source language and translates it all at once into an equivalent program in the target language.  The target program can then be executed as many times as desired without being recompiled.</a:t>
             </a:r>
           </a:p>
           <a:p>
             <a:pPr lvl="1"/>
             <a:r>
-              <a:rPr lang="en-US" sz="900" smtClean="0"/>
+              <a:rPr lang="en-US" sz="900"/>
               <a:t>An </a:t>
             </a:r>
             <a:r>
-              <a:rPr lang="en-US" sz="900" i="1" smtClean="0"/>
+              <a:rPr lang="en-US" sz="900" i="1"/>
               <a:t>interpreter</a:t>
             </a:r>
             <a:r>
-              <a:rPr lang="en-US" sz="900" smtClean="0"/>
+              <a:rPr lang="en-US" sz="900"/>
               <a:t> takes a program written in the source language, reads and executes the first instruction, then the next, and so on.  The target program has to be interpreted every time it is run (in fact, each statement may have to be interpreted every time it is encountered).   This process may not seem much like “translation,” but in effect the interpreter is translated the source language into the language used to write the interpreter (are you lost yet?).</a:t>
             </a:r>
           </a:p>
           <a:p>
             <a:pPr lvl="1"/>
             <a:r>
-              <a:rPr lang="en-US" sz="900" smtClean="0"/>
+              <a:rPr lang="en-US" sz="900"/>
               <a:t>Ultimately, machine languages are “interpreted” by a piece of hardware that reads and executes each instruction without translating them into some other form.  The use of the term in the previous bullet refers specifically to software interpreters, but the concept is the same.</a:t>
             </a:r>
           </a:p>
           <a:p>
             <a:pPr lvl="1"/>
-            <a:endParaRPr lang="en-US" sz="900" smtClean="0"/>
+            <a:endParaRPr lang="en-US" sz="900"/>
           </a:p>
           <a:p>
             <a:pPr lvl="0"/>
             <a:r>
-              <a:rPr lang="en-US" sz="900" smtClean="0"/>
+              <a:rPr lang="en-US" sz="900"/>
               <a:t>Difference between two descriptions of something using different linguistic representations is called the semantic gap.  One one hand we have high level natural language humans understand, but it ambiguous, and precise, unambiguous computational representation.</a:t>
             </a:r>
           </a:p>
@@ -1212,13 +1210,13 @@
           <a:lstStyle/>
           <a:p>
             <a:r>
-              <a:rPr lang="en-US" smtClean="0"/>
+              <a:rPr lang="en-US"/>
               <a:t>Air Force Institute of Technology</a:t>
             </a:r>
           </a:p>
           <a:p>
             <a:r>
-              <a:rPr lang="en-US" smtClean="0"/>
+              <a:rPr lang="en-US"/>
               <a:t>Electrical and Computer Engineering</a:t>
             </a:r>
           </a:p>
@@ -1244,9 +1242,9 @@
             <a:fld id="{D87C679D-3038-424B-B6CF-286ADA9839B2}" type="datetime3">
               <a:rPr lang="en-US" smtClean="0"/>
               <a:pPr/>
-              <a:t>7 September 2020</a:t>
+              <a:t>13 September 2021</a:t>
             </a:fld>
-            <a:endParaRPr lang="en-US" smtClean="0"/>
+            <a:endParaRPr lang="en-US"/>
           </a:p>
         </p:txBody>
       </p:sp>
@@ -1272,7 +1270,7 @@
               <a:pPr/>
               <a:t>5</a:t>
             </a:fld>
-            <a:endParaRPr lang="en-US" smtClean="0"/>
+            <a:endParaRPr lang="en-US"/>
           </a:p>
         </p:txBody>
       </p:sp>
@@ -1308,7 +1306,7 @@
           <a:bodyPr/>
           <a:lstStyle/>
           <a:p>
-            <a:endParaRPr lang="en-US" smtClean="0"/>
+            <a:endParaRPr lang="en-US"/>
           </a:p>
         </p:txBody>
       </p:sp>
@@ -1355,13 +1353,13 @@
           <a:lstStyle/>
           <a:p>
             <a:r>
-              <a:rPr lang="en-US" smtClean="0"/>
+              <a:rPr lang="en-US"/>
               <a:t>Air Force Institute of Technology</a:t>
             </a:r>
           </a:p>
           <a:p>
             <a:r>
-              <a:rPr lang="en-US" smtClean="0"/>
+              <a:rPr lang="en-US"/>
               <a:t>Electrical and Computer Engineering</a:t>
             </a:r>
           </a:p>
@@ -1387,9 +1385,9 @@
             <a:fld id="{35CC6A7E-E159-444F-B533-E68DBF1A58E3}" type="datetime3">
               <a:rPr lang="en-US" smtClean="0"/>
               <a:pPr/>
-              <a:t>7 September 2020</a:t>
+              <a:t>13 September 2021</a:t>
             </a:fld>
-            <a:endParaRPr lang="en-US" smtClean="0"/>
+            <a:endParaRPr lang="en-US"/>
           </a:p>
         </p:txBody>
       </p:sp>
@@ -1415,7 +1413,7 @@
               <a:pPr/>
               <a:t>6</a:t>
             </a:fld>
-            <a:endParaRPr lang="en-US" smtClean="0"/>
+            <a:endParaRPr lang="en-US"/>
           </a:p>
         </p:txBody>
       </p:sp>
@@ -1451,7 +1449,7 @@
           <a:bodyPr/>
           <a:lstStyle/>
           <a:p>
-            <a:endParaRPr lang="en-US" smtClean="0"/>
+            <a:endParaRPr lang="en-US"/>
           </a:p>
         </p:txBody>
       </p:sp>
@@ -1498,13 +1496,13 @@
           <a:lstStyle/>
           <a:p>
             <a:r>
-              <a:rPr lang="en-US" smtClean="0"/>
+              <a:rPr lang="en-US"/>
               <a:t>Air Force Institute of Technology</a:t>
             </a:r>
           </a:p>
           <a:p>
             <a:r>
-              <a:rPr lang="en-US" smtClean="0"/>
+              <a:rPr lang="en-US"/>
               <a:t>Electrical and Computer Engineering</a:t>
             </a:r>
           </a:p>
@@ -1530,9 +1528,9 @@
             <a:fld id="{93909E8D-1264-4D76-8256-BD37706DBC30}" type="datetime3">
               <a:rPr lang="en-US" smtClean="0"/>
               <a:pPr/>
-              <a:t>7 September 2020</a:t>
+              <a:t>13 September 2021</a:t>
             </a:fld>
-            <a:endParaRPr lang="en-US" smtClean="0"/>
+            <a:endParaRPr lang="en-US"/>
           </a:p>
         </p:txBody>
       </p:sp>
@@ -1558,7 +1556,7 @@
               <a:pPr/>
               <a:t>7</a:t>
             </a:fld>
-            <a:endParaRPr lang="en-US" smtClean="0"/>
+            <a:endParaRPr lang="en-US"/>
           </a:p>
         </p:txBody>
       </p:sp>
@@ -1594,7 +1592,7 @@
           <a:bodyPr/>
           <a:lstStyle/>
           <a:p>
-            <a:endParaRPr lang="en-US" smtClean="0"/>
+            <a:endParaRPr lang="en-US"/>
           </a:p>
         </p:txBody>
       </p:sp>
@@ -1641,13 +1639,13 @@
           <a:lstStyle/>
           <a:p>
             <a:r>
-              <a:rPr lang="en-US" smtClean="0"/>
+              <a:rPr lang="en-US"/>
               <a:t>Air Force Institute of Technology</a:t>
             </a:r>
           </a:p>
           <a:p>
             <a:r>
-              <a:rPr lang="en-US" smtClean="0"/>
+              <a:rPr lang="en-US"/>
               <a:t>Electrical and Computer Engineering</a:t>
             </a:r>
           </a:p>
@@ -1673,9 +1671,9 @@
             <a:fld id="{FDF1B9A6-54A1-400F-B6B3-67D41596C46F}" type="datetime3">
               <a:rPr lang="en-US" smtClean="0"/>
               <a:pPr/>
-              <a:t>7 September 2020</a:t>
+              <a:t>13 September 2021</a:t>
             </a:fld>
-            <a:endParaRPr lang="en-US" smtClean="0"/>
+            <a:endParaRPr lang="en-US"/>
           </a:p>
         </p:txBody>
       </p:sp>
@@ -1701,7 +1699,7 @@
               <a:pPr/>
               <a:t>8</a:t>
             </a:fld>
-            <a:endParaRPr lang="en-US" smtClean="0"/>
+            <a:endParaRPr lang="en-US"/>
           </a:p>
         </p:txBody>
       </p:sp>
@@ -1738,25 +1736,25 @@
           <a:lstStyle/>
           <a:p>
             <a:r>
-              <a:rPr lang="en-US" smtClean="0"/>
+              <a:rPr lang="en-US"/>
               <a:t>A source code file has one class definition</a:t>
             </a:r>
           </a:p>
           <a:p>
-            <a:endParaRPr lang="en-US" smtClean="0"/>
-          </a:p>
-          <a:p>
-            <a:r>
-              <a:rPr lang="en-US" smtClean="0"/>
+            <a:endParaRPr lang="en-US"/>
+          </a:p>
+          <a:p>
+            <a:r>
+              <a:rPr lang="en-US"/>
               <a:t>A class has one or more methods</a:t>
             </a:r>
           </a:p>
           <a:p>
-            <a:endParaRPr lang="en-US" smtClean="0"/>
-          </a:p>
-          <a:p>
-            <a:r>
-              <a:rPr lang="en-US" smtClean="0"/>
+            <a:endParaRPr lang="en-US"/>
+          </a:p>
+          <a:p>
+            <a:r>
+              <a:rPr lang="en-US"/>
               <a:t>Methods consist of statements.  The main method is where your program starts running.</a:t>
             </a:r>
           </a:p>
@@ -1805,13 +1803,13 @@
           <a:lstStyle/>
           <a:p>
             <a:r>
-              <a:rPr lang="en-US" smtClean="0"/>
+              <a:rPr lang="en-US"/>
               <a:t>Air Force Institute of Technology</a:t>
             </a:r>
           </a:p>
           <a:p>
             <a:r>
-              <a:rPr lang="en-US" smtClean="0"/>
+              <a:rPr lang="en-US"/>
               <a:t>Electrical and Computer Engineering</a:t>
             </a:r>
           </a:p>
@@ -1837,9 +1835,9 @@
             <a:fld id="{55503CDE-DA31-4D62-885D-A3826D2E5214}" type="datetime3">
               <a:rPr lang="en-US" smtClean="0"/>
               <a:pPr/>
-              <a:t>7 September 2020</a:t>
+              <a:t>13 September 2021</a:t>
             </a:fld>
-            <a:endParaRPr lang="en-US" smtClean="0"/>
+            <a:endParaRPr lang="en-US"/>
           </a:p>
         </p:txBody>
       </p:sp>
@@ -1865,7 +1863,7 @@
               <a:pPr/>
               <a:t>10</a:t>
             </a:fld>
-            <a:endParaRPr lang="en-US" smtClean="0"/>
+            <a:endParaRPr lang="en-US"/>
           </a:p>
         </p:txBody>
       </p:sp>
@@ -1901,7 +1899,7 @@
           <a:bodyPr/>
           <a:lstStyle/>
           <a:p>
-            <a:endParaRPr lang="en-US" smtClean="0"/>
+            <a:endParaRPr lang="en-US"/>
           </a:p>
         </p:txBody>
       </p:sp>
@@ -1954,10 +1952,9 @@
           <a:lstStyle/>
           <a:p>
             <a:r>
-              <a:rPr lang="en-US" smtClean="0"/>
+              <a:rPr lang="en-US"/>
               <a:t>Click to edit Master title style</a:t>
             </a:r>
-            <a:endParaRPr lang="en-US"/>
           </a:p>
         </p:txBody>
       </p:sp>
@@ -2076,10 +2073,9 @@
           </a:lstStyle>
           <a:p>
             <a:r>
-              <a:rPr lang="en-US" smtClean="0"/>
+              <a:rPr lang="en-US"/>
               <a:t>Click to edit Master subtitle style</a:t>
             </a:r>
-            <a:endParaRPr lang="en-US"/>
           </a:p>
         </p:txBody>
       </p:sp>
@@ -2144,10 +2140,9 @@
           </a:lstStyle>
           <a:p>
             <a:r>
-              <a:rPr lang="en-US" dirty="0" smtClean="0"/>
+              <a:rPr lang="en-US" dirty="0"/>
               <a:t>Click to edit Master title style</a:t>
             </a:r>
-            <a:endParaRPr lang="en-US" dirty="0"/>
           </a:p>
         </p:txBody>
       </p:sp>
@@ -2176,38 +2171,37 @@
           <a:p>
             <a:pPr lvl="0"/>
             <a:r>
-              <a:rPr lang="en-US" dirty="0" smtClean="0"/>
+              <a:rPr lang="en-US" dirty="0"/>
               <a:t>Click to edit Master text styles</a:t>
             </a:r>
           </a:p>
           <a:p>
             <a:pPr lvl="1"/>
             <a:r>
-              <a:rPr lang="en-US" dirty="0" smtClean="0"/>
+              <a:rPr lang="en-US" dirty="0"/>
               <a:t>Second level</a:t>
             </a:r>
           </a:p>
           <a:p>
             <a:pPr lvl="2"/>
             <a:r>
-              <a:rPr lang="en-US" dirty="0" smtClean="0"/>
+              <a:rPr lang="en-US" dirty="0"/>
               <a:t>Third level</a:t>
             </a:r>
           </a:p>
           <a:p>
             <a:pPr lvl="3"/>
             <a:r>
-              <a:rPr lang="en-US" dirty="0" smtClean="0"/>
+              <a:rPr lang="en-US" dirty="0"/>
               <a:t>Fourth level</a:t>
             </a:r>
           </a:p>
           <a:p>
             <a:pPr lvl="4"/>
             <a:r>
-              <a:rPr lang="en-US" dirty="0" smtClean="0"/>
+              <a:rPr lang="en-US" dirty="0"/>
               <a:t>Fifth level</a:t>
             </a:r>
-            <a:endParaRPr lang="en-US" dirty="0"/>
           </a:p>
         </p:txBody>
       </p:sp>
@@ -2338,10 +2332,9 @@
           <a:lstStyle/>
           <a:p>
             <a:r>
-              <a:rPr lang="en-US" smtClean="0"/>
+              <a:rPr lang="en-US"/>
               <a:t>Click to edit Master title style</a:t>
             </a:r>
-            <a:endParaRPr lang="en-US"/>
           </a:p>
         </p:txBody>
       </p:sp>
@@ -2398,38 +2391,37 @@
           <a:p>
             <a:pPr lvl="0"/>
             <a:r>
-              <a:rPr lang="en-US" smtClean="0"/>
+              <a:rPr lang="en-US"/>
               <a:t>Click to edit Master text styles</a:t>
             </a:r>
           </a:p>
           <a:p>
             <a:pPr lvl="1"/>
             <a:r>
-              <a:rPr lang="en-US" smtClean="0"/>
+              <a:rPr lang="en-US"/>
               <a:t>Second level</a:t>
             </a:r>
           </a:p>
           <a:p>
             <a:pPr lvl="2"/>
             <a:r>
-              <a:rPr lang="en-US" smtClean="0"/>
+              <a:rPr lang="en-US"/>
               <a:t>Third level</a:t>
             </a:r>
           </a:p>
           <a:p>
             <a:pPr lvl="3"/>
             <a:r>
-              <a:rPr lang="en-US" smtClean="0"/>
+              <a:rPr lang="en-US"/>
               <a:t>Fourth level</a:t>
             </a:r>
           </a:p>
           <a:p>
             <a:pPr lvl="4"/>
             <a:r>
-              <a:rPr lang="en-US" smtClean="0"/>
+              <a:rPr lang="en-US"/>
               <a:t>Fifth level</a:t>
             </a:r>
-            <a:endParaRPr lang="en-US"/>
           </a:p>
         </p:txBody>
       </p:sp>
@@ -2486,38 +2478,37 @@
           <a:p>
             <a:pPr lvl="0"/>
             <a:r>
-              <a:rPr lang="en-US" smtClean="0"/>
+              <a:rPr lang="en-US"/>
               <a:t>Click to edit Master text styles</a:t>
             </a:r>
           </a:p>
           <a:p>
             <a:pPr lvl="1"/>
             <a:r>
-              <a:rPr lang="en-US" smtClean="0"/>
+              <a:rPr lang="en-US"/>
               <a:t>Second level</a:t>
             </a:r>
           </a:p>
           <a:p>
             <a:pPr lvl="2"/>
             <a:r>
-              <a:rPr lang="en-US" smtClean="0"/>
+              <a:rPr lang="en-US"/>
               <a:t>Third level</a:t>
             </a:r>
           </a:p>
           <a:p>
             <a:pPr lvl="3"/>
             <a:r>
-              <a:rPr lang="en-US" smtClean="0"/>
+              <a:rPr lang="en-US"/>
               <a:t>Fourth level</a:t>
             </a:r>
           </a:p>
           <a:p>
             <a:pPr lvl="4"/>
             <a:r>
-              <a:rPr lang="en-US" smtClean="0"/>
+              <a:rPr lang="en-US"/>
               <a:t>Fifth level</a:t>
             </a:r>
-            <a:endParaRPr lang="en-US"/>
           </a:p>
         </p:txBody>
       </p:sp>
@@ -2688,10 +2679,9 @@
           <a:lstStyle/>
           <a:p>
             <a:r>
-              <a:rPr lang="en-US" smtClean="0"/>
+              <a:rPr lang="en-US"/>
               <a:t>Click to edit Master title style</a:t>
             </a:r>
-            <a:endParaRPr lang="en-US"/>
           </a:p>
         </p:txBody>
       </p:sp>
@@ -3085,7 +3075,7 @@
           <a:lstStyle/>
           <a:p>
             <a:r>
-              <a:rPr lang="en-US" sz="2800" b="1" smtClean="0">
+              <a:rPr lang="en-US" sz="2800" b="1">
                 <a:effectLst>
                   <a:outerShdw blurRad="38100" dist="38100" dir="2700000" algn="tl">
                     <a:srgbClr val="000000">
@@ -3097,7 +3087,7 @@
               <a:t>Object </a:t>
             </a:r>
             <a:r>
-              <a:rPr lang="en-US" sz="2800" b="1" dirty="0" smtClean="0">
+              <a:rPr lang="en-US" sz="2800" b="1" dirty="0">
                 <a:effectLst>
                   <a:outerShdw blurRad="38100" dist="38100" dir="2700000" algn="tl">
                     <a:srgbClr val="000000">
@@ -3109,7 +3099,7 @@
               <a:t>Oriented Programming</a:t>
             </a:r>
             <a:br>
-              <a:rPr lang="en-US" sz="2800" b="1" dirty="0" smtClean="0">
+              <a:rPr lang="en-US" sz="2800" b="1" dirty="0">
                 <a:effectLst>
                   <a:outerShdw blurRad="38100" dist="38100" dir="2700000" algn="tl">
                     <a:srgbClr val="000000">
@@ -3120,7 +3110,7 @@
               </a:rPr>
             </a:br>
             <a:r>
-              <a:rPr lang="en-US" sz="2800" b="1" dirty="0" smtClean="0">
+              <a:rPr lang="en-US" sz="2800" b="1" dirty="0">
                 <a:effectLst>
                   <a:outerShdw blurRad="38100" dist="38100" dir="2700000" algn="tl">
                     <a:srgbClr val="000000">
@@ -3132,7 +3122,7 @@
               <a:t>Using Java</a:t>
             </a:r>
             <a:br>
-              <a:rPr lang="en-US" sz="2800" b="1" dirty="0" smtClean="0">
+              <a:rPr lang="en-US" sz="2800" b="1" dirty="0">
                 <a:effectLst>
                   <a:outerShdw blurRad="38100" dist="38100" dir="2700000" algn="tl">
                     <a:srgbClr val="000000">
@@ -3142,20 +3132,8 @@
                 </a:effectLst>
               </a:rPr>
             </a:br>
-            <a:r>
-              <a:rPr lang="en-US" sz="2800" b="1" dirty="0" smtClean="0">
-                <a:effectLst>
-                  <a:outerShdw blurRad="38100" dist="38100" dir="2700000" algn="tl">
-                    <a:srgbClr val="000000">
-                      <a:alpha val="43137"/>
-                    </a:srgbClr>
-                  </a:outerShdw>
-                </a:effectLst>
-              </a:rPr>
-              <a:t/>
-            </a:r>
             <a:br>
-              <a:rPr lang="en-US" sz="2800" b="1" dirty="0" smtClean="0">
+              <a:rPr lang="en-US" sz="2800" b="1" dirty="0">
                 <a:effectLst>
                   <a:outerShdw blurRad="38100" dist="38100" dir="2700000" algn="tl">
                     <a:srgbClr val="000000">
@@ -3166,7 +3144,7 @@
               </a:rPr>
             </a:br>
             <a:r>
-              <a:rPr lang="en-US" sz="2800" b="1" dirty="0" smtClean="0">
+              <a:rPr lang="en-US" sz="2800" b="1" dirty="0">
                 <a:effectLst>
                   <a:outerShdw blurRad="38100" dist="38100" dir="2700000" algn="tl">
                     <a:srgbClr val="000000">
@@ -3254,7 +3232,7 @@
               <a:defRPr/>
             </a:pPr>
             <a:r>
-              <a:rPr kumimoji="0" lang="en-US" sz="2400" b="0" i="0" u="none" strike="noStrike" kern="1200" cap="none" spc="0" normalizeH="0" baseline="0" noProof="0" dirty="0" smtClean="0">
+              <a:rPr kumimoji="0" lang="en-US" sz="2400" b="0" i="0" u="none" strike="noStrike" kern="1200" cap="none" spc="0" normalizeH="0" baseline="0" noProof="0" dirty="0">
                 <a:ln>
                   <a:noFill/>
                 </a:ln>
@@ -3271,7 +3249,7 @@
               <a:t>Scott </a:t>
             </a:r>
             <a:r>
-              <a:rPr kumimoji="0" lang="en-US" sz="2400" b="0" i="0" u="none" strike="noStrike" kern="1200" cap="none" spc="0" normalizeH="0" baseline="0" noProof="0" dirty="0" err="1" smtClean="0">
+              <a:rPr kumimoji="0" lang="en-US" sz="2400" b="0" i="0" u="none" strike="noStrike" kern="1200" cap="none" spc="0" normalizeH="0" baseline="0" noProof="0" dirty="0" err="1">
                 <a:ln>
                   <a:noFill/>
                 </a:ln>
@@ -3288,7 +3266,7 @@
               <a:t>Nykl</a:t>
             </a:r>
             <a:r>
-              <a:rPr kumimoji="0" lang="en-US" sz="2400" b="0" i="0" u="none" strike="noStrike" kern="1200" cap="none" spc="0" normalizeH="0" baseline="0" noProof="0" dirty="0" smtClean="0">
+              <a:rPr kumimoji="0" lang="en-US" sz="2400" b="0" i="0" u="none" strike="noStrike" kern="1200" cap="none" spc="0" normalizeH="0" baseline="0" noProof="0" dirty="0">
                 <a:ln>
                   <a:noFill/>
                 </a:ln>
@@ -3362,13 +3340,6 @@
   <p:clrMapOvr>
     <a:masterClrMapping/>
   </p:clrMapOvr>
-  <p:timing>
-    <p:tnLst>
-      <p:par>
-        <p:cTn id="1" dur="indefinite" restart="never" nodeType="tmRoot"/>
-      </p:par>
-    </p:tnLst>
-  </p:timing>
 </p:sld>
 </file>
 
@@ -3406,14 +3377,14 @@
           <a:p>
             <a:pPr eaLnBrk="1" hangingPunct="1"/>
             <a:r>
-              <a:rPr lang="en-US" dirty="0" smtClean="0"/>
+              <a:rPr lang="en-US" dirty="0"/>
               <a:t>Java Program: </a:t>
             </a:r>
             <a:r>
-              <a:rPr lang="en-US" dirty="0" err="1" smtClean="0"/>
+              <a:rPr lang="en-US" dirty="0" err="1"/>
               <a:t>HelloWorld</a:t>
             </a:r>
-            <a:endParaRPr lang="en-US" dirty="0" smtClean="0"/>
+            <a:endParaRPr lang="en-US" dirty="0"/>
           </a:p>
         </p:txBody>
       </p:sp>
@@ -3454,100 +3425,6 @@
   <p:clrMapOvr>
     <a:masterClrMapping/>
   </p:clrMapOvr>
-  <p:timing>
-    <p:tnLst>
-      <p:par>
-        <p:cTn id="1" dur="indefinite" restart="never" nodeType="tmRoot"/>
-      </p:par>
-    </p:tnLst>
-  </p:timing>
-</p:sld>
-</file>
-
-<file path=ppt/slides/slide11.xml><?xml version="1.0" encoding="utf-8"?>
-<p:sld xmlns:a="http://schemas.openxmlformats.org/drawingml/2006/main" xmlns:r="http://schemas.openxmlformats.org/officeDocument/2006/relationships" xmlns:p="http://schemas.openxmlformats.org/presentationml/2006/main">
-  <p:cSld>
-    <p:spTree>
-      <p:nvGrpSpPr>
-        <p:cNvPr id="1" name=""/>
-        <p:cNvGrpSpPr/>
-        <p:nvPr/>
-      </p:nvGrpSpPr>
-      <p:grpSpPr>
-        <a:xfrm>
-          <a:off x="0" y="0"/>
-          <a:ext cx="0" cy="0"/>
-          <a:chOff x="0" y="0"/>
-          <a:chExt cx="0" cy="0"/>
-        </a:xfrm>
-      </p:grpSpPr>
-      <p:sp>
-        <p:nvSpPr>
-          <p:cNvPr id="2" name="Title 1"/>
-          <p:cNvSpPr>
-            <a:spLocks noGrp="1"/>
-          </p:cNvSpPr>
-          <p:nvPr>
-            <p:ph type="title"/>
-          </p:nvPr>
-        </p:nvSpPr>
-        <p:spPr/>
-        <p:txBody>
-          <a:bodyPr/>
-          <a:lstStyle/>
-          <a:p>
-            <a:r>
-              <a:rPr lang="en-US" dirty="0" smtClean="0"/>
-              <a:t>Eclipse Project and Program Output</a:t>
-            </a:r>
-            <a:endParaRPr lang="en-US" dirty="0"/>
-          </a:p>
-        </p:txBody>
-      </p:sp>
-      <p:pic>
-        <p:nvPicPr>
-          <p:cNvPr id="6146" name="Picture 2"/>
-          <p:cNvPicPr>
-            <a:picLocks noChangeAspect="1" noChangeArrowheads="1"/>
-          </p:cNvPicPr>
-          <p:nvPr/>
-        </p:nvPicPr>
-        <p:blipFill>
-          <a:blip r:embed="rId2" cstate="print"/>
-          <a:srcRect/>
-          <a:stretch>
-            <a:fillRect/>
-          </a:stretch>
-        </p:blipFill>
-        <p:spPr bwMode="auto">
-          <a:xfrm>
-            <a:off x="1066800" y="1600200"/>
-            <a:ext cx="7097176" cy="4748212"/>
-          </a:xfrm>
-          <a:prstGeom prst="rect">
-            <a:avLst/>
-          </a:prstGeom>
-          <a:noFill/>
-          <a:ln w="9525">
-            <a:noFill/>
-            <a:miter lim="800000"/>
-            <a:headEnd/>
-            <a:tailEnd/>
-          </a:ln>
-        </p:spPr>
-      </p:pic>
-    </p:spTree>
-  </p:cSld>
-  <p:clrMapOvr>
-    <a:masterClrMapping/>
-  </p:clrMapOvr>
-  <p:timing>
-    <p:tnLst>
-      <p:par>
-        <p:cTn id="1" dur="indefinite" restart="never" nodeType="tmRoot"/>
-      </p:par>
-    </p:tnLst>
-  </p:timing>
 </p:sld>
 </file>
 
@@ -3585,7 +3462,7 @@
           <a:p>
             <a:pPr eaLnBrk="1" hangingPunct="1"/>
             <a:r>
-              <a:rPr lang="en-US" smtClean="0"/>
+              <a:rPr lang="en-US"/>
               <a:t>Topic Overview</a:t>
             </a:r>
           </a:p>
@@ -3608,40 +3485,40 @@
           <a:p>
             <a:pPr eaLnBrk="1" hangingPunct="1"/>
             <a:r>
-              <a:rPr lang="en-US" sz="2800" smtClean="0"/>
+              <a:rPr lang="en-US" sz="2800"/>
               <a:t>Introduce programming</a:t>
             </a:r>
           </a:p>
           <a:p>
             <a:pPr eaLnBrk="1" hangingPunct="1"/>
-            <a:endParaRPr lang="en-US" sz="2800" smtClean="0"/>
+            <a:endParaRPr lang="en-US" sz="2800"/>
           </a:p>
           <a:p>
             <a:pPr eaLnBrk="1" hangingPunct="1"/>
             <a:r>
-              <a:rPr lang="en-US" sz="2800" smtClean="0"/>
+              <a:rPr lang="en-US" sz="2800"/>
               <a:t>Introduce Java</a:t>
             </a:r>
           </a:p>
           <a:p>
             <a:pPr eaLnBrk="1" hangingPunct="1"/>
-            <a:endParaRPr lang="en-US" sz="2800" smtClean="0"/>
+            <a:endParaRPr lang="en-US" sz="2800"/>
           </a:p>
           <a:p>
             <a:pPr eaLnBrk="1" hangingPunct="1"/>
             <a:r>
-              <a:rPr lang="en-US" sz="2800" smtClean="0"/>
+              <a:rPr lang="en-US" sz="2800"/>
               <a:t>Setting up a Java development environment</a:t>
             </a:r>
           </a:p>
           <a:p>
             <a:pPr eaLnBrk="1" hangingPunct="1"/>
-            <a:endParaRPr lang="en-US" sz="2800" smtClean="0"/>
+            <a:endParaRPr lang="en-US" sz="2800"/>
           </a:p>
           <a:p>
             <a:pPr eaLnBrk="1" hangingPunct="1"/>
             <a:r>
-              <a:rPr lang="en-US" sz="2800" smtClean="0"/>
+              <a:rPr lang="en-US" sz="2800"/>
               <a:t>Compiling and running your first Java program</a:t>
             </a:r>
           </a:p>
@@ -3684,13 +3561,6 @@
   <p:clrMapOvr>
     <a:masterClrMapping/>
   </p:clrMapOvr>
-  <p:timing>
-    <p:tnLst>
-      <p:par>
-        <p:cTn id="1" dur="indefinite" restart="never" nodeType="tmRoot"/>
-      </p:par>
-    </p:tnLst>
-  </p:timing>
 </p:sld>
 </file>
 
@@ -3728,7 +3598,7 @@
           <a:p>
             <a:pPr eaLnBrk="1" hangingPunct="1"/>
             <a:r>
-              <a:rPr lang="en-US" dirty="0" smtClean="0"/>
+              <a:rPr lang="en-US" dirty="0"/>
               <a:t>What is a Program?</a:t>
             </a:r>
           </a:p>
@@ -3751,18 +3621,18 @@
           <a:p>
             <a:pPr eaLnBrk="1" hangingPunct="1"/>
             <a:r>
-              <a:rPr lang="en-US" sz="2000" dirty="0" smtClean="0"/>
+              <a:rPr lang="en-US" sz="2000" dirty="0"/>
               <a:t>A step-by-step procedure for computing something</a:t>
             </a:r>
           </a:p>
           <a:p>
             <a:pPr eaLnBrk="1" hangingPunct="1"/>
             <a:r>
-              <a:rPr lang="en-US" sz="2000" dirty="0" smtClean="0"/>
+              <a:rPr lang="en-US" sz="2000" dirty="0"/>
               <a:t>What do you mean by </a:t>
             </a:r>
             <a:r>
-              <a:rPr lang="en-US" sz="2000" i="1" dirty="0" smtClean="0">
+              <a:rPr lang="en-US" sz="2000" i="1" dirty="0">
                 <a:solidFill>
                   <a:srgbClr val="FF0000"/>
                 </a:solidFill>
@@ -3770,46 +3640,46 @@
               <a:t>procedure</a:t>
             </a:r>
             <a:r>
-              <a:rPr lang="en-US" sz="2000" dirty="0" smtClean="0"/>
+              <a:rPr lang="en-US" sz="2000" dirty="0"/>
               <a:t>?</a:t>
             </a:r>
           </a:p>
           <a:p>
             <a:pPr lvl="1" eaLnBrk="1" hangingPunct="1"/>
             <a:r>
-              <a:rPr lang="en-US" sz="1800" dirty="0" smtClean="0"/>
+              <a:rPr lang="en-US" sz="1800" dirty="0"/>
               <a:t>A set of instructions</a:t>
             </a:r>
           </a:p>
           <a:p>
             <a:pPr lvl="1" eaLnBrk="1" hangingPunct="1"/>
             <a:r>
-              <a:rPr lang="en-US" sz="1800" dirty="0" smtClean="0"/>
+              <a:rPr lang="en-US" sz="1800" dirty="0"/>
               <a:t>A recipe (as opposed to a cake)</a:t>
             </a:r>
           </a:p>
           <a:p>
             <a:pPr lvl="1" eaLnBrk="1" hangingPunct="1"/>
             <a:r>
-              <a:rPr lang="en-US" sz="1800" dirty="0" smtClean="0"/>
+              <a:rPr lang="en-US" sz="1800" dirty="0"/>
               <a:t>Complete and unambiguous</a:t>
             </a:r>
           </a:p>
           <a:p>
             <a:pPr lvl="2" eaLnBrk="1" hangingPunct="1"/>
             <a:r>
-              <a:rPr lang="en-US" sz="1400" dirty="0" smtClean="0"/>
+              <a:rPr lang="en-US" sz="1400" dirty="0"/>
               <a:t>To whom?</a:t>
             </a:r>
           </a:p>
           <a:p>
             <a:pPr eaLnBrk="1" hangingPunct="1"/>
             <a:r>
-              <a:rPr lang="en-US" sz="2000" dirty="0" smtClean="0"/>
+              <a:rPr lang="en-US" sz="2000" dirty="0"/>
               <a:t>What do you mean by </a:t>
             </a:r>
             <a:r>
-              <a:rPr lang="en-US" sz="2000" i="1" dirty="0" smtClean="0">
+              <a:rPr lang="en-US" sz="2000" i="1" dirty="0">
                 <a:solidFill>
                   <a:srgbClr val="FF0000"/>
                 </a:solidFill>
@@ -3817,35 +3687,35 @@
               <a:t>computing something</a:t>
             </a:r>
             <a:r>
-              <a:rPr lang="en-US" sz="2000" dirty="0" smtClean="0"/>
+              <a:rPr lang="en-US" sz="2000" dirty="0"/>
               <a:t>?</a:t>
             </a:r>
           </a:p>
           <a:p>
             <a:pPr lvl="1" eaLnBrk="1" hangingPunct="1"/>
             <a:r>
-              <a:rPr lang="en-US" sz="1800" dirty="0" smtClean="0"/>
+              <a:rPr lang="en-US" sz="1800" dirty="0"/>
               <a:t>Could be almost anything</a:t>
             </a:r>
           </a:p>
           <a:p>
             <a:pPr lvl="1" eaLnBrk="1" hangingPunct="1"/>
             <a:r>
-              <a:rPr lang="en-US" sz="1800" dirty="0" smtClean="0"/>
+              <a:rPr lang="en-US" sz="1800" dirty="0"/>
               <a:t>A calculator computes the results of mathematical expressions</a:t>
             </a:r>
           </a:p>
           <a:p>
             <a:pPr lvl="1" eaLnBrk="1" hangingPunct="1"/>
             <a:r>
-              <a:rPr lang="en-US" sz="1800" dirty="0" smtClean="0"/>
+              <a:rPr lang="en-US" sz="1800" dirty="0"/>
               <a:t>A first-person shooter game computes a virtual world and gratuitious violence</a:t>
             </a:r>
           </a:p>
           <a:p>
             <a:pPr lvl="1" eaLnBrk="1" hangingPunct="1"/>
             <a:r>
-              <a:rPr lang="en-US" sz="1800" dirty="0" smtClean="0"/>
+              <a:rPr lang="en-US" sz="1800" dirty="0"/>
               <a:t>The computers in your car compute the timing of the fuel injectors and spark plugs, control the anti-lock brakes, monitor collision sensors to activate the air bag, tune the radio, &amp; so on</a:t>
             </a:r>
           </a:p>
@@ -3888,13 +3758,6 @@
   <p:clrMapOvr>
     <a:masterClrMapping/>
   </p:clrMapOvr>
-  <p:timing>
-    <p:tnLst>
-      <p:par>
-        <p:cTn id="1" dur="indefinite" restart="never" nodeType="tmRoot"/>
-      </p:par>
-    </p:tnLst>
-  </p:timing>
 </p:sld>
 </file>
 
@@ -3932,7 +3795,7 @@
           <a:p>
             <a:pPr eaLnBrk="1" hangingPunct="1"/>
             <a:r>
-              <a:rPr lang="en-US" sz="3200" dirty="0" smtClean="0"/>
+              <a:rPr lang="en-US" sz="3200" dirty="0"/>
               <a:t>What Languages are Used for Programming?</a:t>
             </a:r>
           </a:p>
@@ -3959,7 +3822,7 @@
               </a:lnSpc>
             </a:pPr>
             <a:r>
-              <a:rPr lang="en-US" sz="2800" smtClean="0"/>
+              <a:rPr lang="en-US" sz="2800"/>
               <a:t>We need a notation for writing sets of instructions</a:t>
             </a:r>
           </a:p>
@@ -3970,7 +3833,7 @@
               </a:lnSpc>
             </a:pPr>
             <a:r>
-              <a:rPr lang="en-US" sz="2400" smtClean="0"/>
+              <a:rPr lang="en-US" sz="2400"/>
               <a:t>That make sense to a human</a:t>
             </a:r>
           </a:p>
@@ -3981,7 +3844,7 @@
               </a:lnSpc>
             </a:pPr>
             <a:r>
-              <a:rPr lang="en-US" sz="2400" smtClean="0"/>
+              <a:rPr lang="en-US" sz="2400"/>
               <a:t>That make sense to a computer</a:t>
             </a:r>
           </a:p>
@@ -3992,7 +3855,7 @@
               </a:lnSpc>
             </a:pPr>
             <a:r>
-              <a:rPr lang="en-US" sz="2800" smtClean="0"/>
+              <a:rPr lang="en-US" sz="2800"/>
               <a:t>The fact is, no one language can serve two masters</a:t>
             </a:r>
           </a:p>
@@ -4003,7 +3866,7 @@
               </a:lnSpc>
             </a:pPr>
             <a:r>
-              <a:rPr lang="en-US" sz="2800" i="1" smtClean="0">
+              <a:rPr lang="en-US" sz="2800" i="1">
                 <a:solidFill>
                   <a:srgbClr val="FF0000"/>
                 </a:solidFill>
@@ -4011,7 +3874,7 @@
               <a:t>Translators</a:t>
             </a:r>
             <a:r>
-              <a:rPr lang="en-US" sz="2800" smtClean="0"/>
+              <a:rPr lang="en-US" sz="2800"/>
               <a:t> convert one language to another</a:t>
             </a:r>
           </a:p>
@@ -4022,7 +3885,7 @@
               </a:lnSpc>
             </a:pPr>
             <a:r>
-              <a:rPr lang="en-US" sz="2400" smtClean="0"/>
+              <a:rPr lang="en-US" sz="2400"/>
               <a:t>E.g., from a human-readable one into a machine one</a:t>
             </a:r>
           </a:p>
@@ -4033,7 +3896,7 @@
               </a:lnSpc>
             </a:pPr>
             <a:r>
-              <a:rPr lang="en-US" sz="2400" smtClean="0"/>
+              <a:rPr lang="en-US" sz="2400"/>
               <a:t>Rarely done the other way, because the first way is “lossy”</a:t>
             </a:r>
           </a:p>
@@ -4044,7 +3907,7 @@
               </a:lnSpc>
             </a:pPr>
             <a:r>
-              <a:rPr lang="en-US" sz="1800" smtClean="0"/>
+              <a:rPr lang="en-US" sz="1800"/>
               <a:t>Abstract structure is lost that cannot be reconstructed</a:t>
             </a:r>
           </a:p>
@@ -4222,13 +4085,6 @@
   <p:clrMapOvr>
     <a:masterClrMapping/>
   </p:clrMapOvr>
-  <p:timing>
-    <p:tnLst>
-      <p:par>
-        <p:cTn id="1" dur="indefinite" restart="never" nodeType="tmRoot"/>
-      </p:par>
-    </p:tnLst>
-  </p:timing>
 </p:sld>
 </file>
 
@@ -4266,7 +4122,7 @@
           <a:p>
             <a:pPr eaLnBrk="1" hangingPunct="1"/>
             <a:r>
-              <a:rPr lang="en-US" dirty="0" smtClean="0"/>
+              <a:rPr lang="en-US" dirty="0"/>
               <a:t>Introducing… Java!</a:t>
             </a:r>
           </a:p>
@@ -4289,49 +4145,49 @@
           <a:p>
             <a:pPr eaLnBrk="1" hangingPunct="1"/>
             <a:r>
-              <a:rPr lang="en-US" sz="2800" dirty="0" smtClean="0"/>
+              <a:rPr lang="en-US" sz="2800" dirty="0"/>
               <a:t>A programming language</a:t>
             </a:r>
           </a:p>
           <a:p>
             <a:pPr lvl="1" eaLnBrk="1" hangingPunct="1"/>
             <a:r>
-              <a:rPr lang="en-US" sz="2400" dirty="0" smtClean="0"/>
+              <a:rPr lang="en-US" sz="2400" dirty="0"/>
               <a:t>A human-readable notation for describing how to compute something</a:t>
             </a:r>
           </a:p>
           <a:p>
             <a:pPr lvl="1" eaLnBrk="1" hangingPunct="1"/>
             <a:r>
-              <a:rPr lang="en-US" sz="2400" dirty="0" smtClean="0"/>
+              <a:rPr lang="en-US" sz="2400" dirty="0"/>
               <a:t>Translatable into a machine-interpretable form for execution</a:t>
             </a:r>
           </a:p>
           <a:p>
             <a:pPr eaLnBrk="1" hangingPunct="1"/>
             <a:r>
-              <a:rPr lang="en-US" sz="2800" dirty="0" smtClean="0"/>
+              <a:rPr lang="en-US" sz="2800" dirty="0"/>
               <a:t>An object-oriented language</a:t>
             </a:r>
           </a:p>
           <a:p>
             <a:pPr lvl="1" eaLnBrk="1" hangingPunct="1"/>
             <a:r>
-              <a:rPr lang="en-US" sz="2400" dirty="0" smtClean="0"/>
+              <a:rPr lang="en-US" sz="2400" dirty="0"/>
               <a:t>The basic building blocks of Java programs are “objects” and “classes”</a:t>
             </a:r>
           </a:p>
           <a:p>
             <a:pPr eaLnBrk="1" hangingPunct="1"/>
             <a:r>
-              <a:rPr lang="en-US" sz="2800" dirty="0" smtClean="0"/>
+              <a:rPr lang="en-US" sz="2800" dirty="0"/>
               <a:t>Key design goal:  “write once, run anywhere”</a:t>
             </a:r>
           </a:p>
           <a:p>
             <a:pPr lvl="1" eaLnBrk="1" hangingPunct="1"/>
             <a:r>
-              <a:rPr lang="en-US" sz="2400" dirty="0" smtClean="0"/>
+              <a:rPr lang="en-US" sz="2400" dirty="0"/>
               <a:t>Write one application and have it work properly on whatever device it happens to run on</a:t>
             </a:r>
           </a:p>
@@ -4374,13 +4230,6 @@
   <p:clrMapOvr>
     <a:masterClrMapping/>
   </p:clrMapOvr>
-  <p:timing>
-    <p:tnLst>
-      <p:par>
-        <p:cTn id="1" dur="indefinite" restart="never" nodeType="tmRoot"/>
-      </p:par>
-    </p:tnLst>
-  </p:timing>
 </p:sld>
 </file>
 
@@ -4418,7 +4267,7 @@
           <a:p>
             <a:pPr eaLnBrk="1" hangingPunct="1"/>
             <a:r>
-              <a:rPr lang="en-US" smtClean="0"/>
+              <a:rPr lang="en-US"/>
               <a:t>The Java Environment</a:t>
             </a:r>
           </a:p>
@@ -4441,14 +4290,14 @@
           <a:p>
             <a:pPr eaLnBrk="1" hangingPunct="1"/>
             <a:r>
-              <a:rPr lang="en-US" sz="2400" smtClean="0"/>
+              <a:rPr lang="en-US" sz="2400"/>
               <a:t>Java “source code” is compiled to an intermediate form called “bytecode”</a:t>
             </a:r>
           </a:p>
           <a:p>
             <a:pPr eaLnBrk="1" hangingPunct="1"/>
             <a:r>
-              <a:rPr lang="en-US" sz="2400" smtClean="0"/>
+              <a:rPr lang="en-US" sz="2400"/>
               <a:t>The bytecode is interpreted by a simulated computer (i.e., a program) called the Java Virtual Machine (JVM) that is specific to your machine</a:t>
             </a:r>
           </a:p>
@@ -5057,13 +4906,6 @@
   <p:clrMapOvr>
     <a:masterClrMapping/>
   </p:clrMapOvr>
-  <p:timing>
-    <p:tnLst>
-      <p:par>
-        <p:cTn id="1" dur="indefinite" restart="never" nodeType="tmRoot"/>
-      </p:par>
-    </p:tnLst>
-  </p:timing>
 </p:sld>
 </file>
 
@@ -5101,7 +4943,7 @@
           <a:p>
             <a:pPr eaLnBrk="1" hangingPunct="1"/>
             <a:r>
-              <a:rPr lang="en-US" smtClean="0"/>
+              <a:rPr lang="en-US"/>
               <a:t>The Java Environment</a:t>
             </a:r>
           </a:p>
@@ -5124,21 +4966,21 @@
           <a:p>
             <a:pPr eaLnBrk="1" hangingPunct="1"/>
             <a:r>
-              <a:rPr lang="en-US" sz="2400" smtClean="0"/>
+              <a:rPr lang="en-US" sz="2400"/>
               <a:t>Java maintains its portability by keeping the bytecode the same across all platforms</a:t>
             </a:r>
           </a:p>
           <a:p>
             <a:pPr eaLnBrk="1" hangingPunct="1"/>
             <a:r>
-              <a:rPr lang="en-US" sz="2400" smtClean="0"/>
+              <a:rPr lang="en-US" sz="2400"/>
               <a:t>The JVM specification is open so that vendors can write one for their platforms</a:t>
             </a:r>
           </a:p>
           <a:p>
             <a:pPr eaLnBrk="1" hangingPunct="1"/>
             <a:r>
-              <a:rPr lang="en-US" sz="2400" smtClean="0"/>
+              <a:rPr lang="en-US" sz="2400"/>
               <a:t>JVMs are available for Windows, Linux, Android, and others</a:t>
             </a:r>
           </a:p>
@@ -5483,13 +5325,6 @@
   <p:clrMapOvr>
     <a:masterClrMapping/>
   </p:clrMapOvr>
-  <p:timing>
-    <p:tnLst>
-      <p:par>
-        <p:cTn id="1" dur="indefinite" restart="never" nodeType="tmRoot"/>
-      </p:par>
-    </p:tnLst>
-  </p:timing>
 </p:sld>
 </file>
 
@@ -5527,7 +5362,7 @@
           <a:p>
             <a:pPr eaLnBrk="1" hangingPunct="1"/>
             <a:r>
-              <a:rPr lang="en-US" smtClean="0"/>
+              <a:rPr lang="en-US"/>
               <a:t>Example Java Program</a:t>
             </a:r>
           </a:p>
@@ -5570,13 +5405,6 @@
   <p:clrMapOvr>
     <a:masterClrMapping/>
   </p:clrMapOvr>
-  <p:timing>
-    <p:tnLst>
-      <p:par>
-        <p:cTn id="1" dur="indefinite" restart="never" nodeType="tmRoot"/>
-      </p:par>
-    </p:tnLst>
-  </p:timing>
 </p:sld>
 </file>
 
@@ -5613,10 +5441,9 @@
           <a:lstStyle/>
           <a:p>
             <a:r>
-              <a:rPr lang="en-US" dirty="0" smtClean="0"/>
+              <a:rPr lang="en-US" dirty="0"/>
               <a:t>Setup JAVA</a:t>
             </a:r>
-            <a:endParaRPr lang="en-US" dirty="0"/>
           </a:p>
         </p:txBody>
       </p:sp>
@@ -5636,23 +5463,19 @@
           <a:lstStyle/>
           <a:p>
             <a:r>
-              <a:rPr lang="en-US" dirty="0" smtClean="0"/>
+              <a:rPr lang="en-US" dirty="0"/>
               <a:t>Walk Thru the slides at:</a:t>
             </a:r>
           </a:p>
           <a:p>
             <a:r>
               <a:rPr lang="en-US" dirty="0"/>
-              <a:t>"C:\repos\csce093\setupVSCode_and_JDK\000-Setup VS Code and </a:t>
-            </a:r>
-            <a:r>
-              <a:rPr lang="en-US" dirty="0" smtClean="0"/>
-              <a:t>JDK.pptx“</a:t>
-            </a:r>
-          </a:p>
-          <a:p>
-            <a:r>
-              <a:rPr lang="en-US" dirty="0" smtClean="0"/>
+              <a:t>"C:\repos\csce093\setupVSCode_and_JDK\000-Setup VS Code and JDK.pptx“</a:t>
+            </a:r>
+          </a:p>
+          <a:p>
+            <a:r>
+              <a:rPr lang="en-US" dirty="0"/>
               <a:t>My YouTube Video showing this:</a:t>
             </a:r>
           </a:p>
@@ -5661,27 +5484,21 @@
               <a:rPr lang="en-US" dirty="0">
                 <a:hlinkClick r:id="rId2"/>
               </a:rPr>
-              <a:t>https://</a:t>
-            </a:r>
-            <a:r>
-              <a:rPr lang="en-US" dirty="0" smtClean="0">
-                <a:hlinkClick r:id="rId2"/>
-              </a:rPr>
-              <a:t>www.youtube.com/watch?v=6LCYam-GgjE</a:t>
-            </a:r>
-            <a:endParaRPr lang="en-US" dirty="0" smtClean="0"/>
-          </a:p>
-          <a:p>
-            <a:r>
-              <a:rPr lang="en-US" dirty="0" smtClean="0"/>
+              <a:t>https://www.youtube.com/watch?v=6LCYam-GgjE</a:t>
+            </a:r>
+            <a:endParaRPr lang="en-US" dirty="0"/>
+          </a:p>
+          <a:p>
+            <a:r>
+              <a:rPr lang="en-US" dirty="0"/>
               <a:t>Install </a:t>
             </a:r>
             <a:r>
-              <a:rPr lang="en-US" dirty="0" err="1" smtClean="0"/>
+              <a:rPr lang="en-US" dirty="0" err="1"/>
               <a:t>OpenJDK</a:t>
             </a:r>
             <a:r>
-              <a:rPr lang="en-US" smtClean="0"/>
+              <a:rPr lang="en-US"/>
               <a:t> and VS Code</a:t>
             </a:r>
             <a:endParaRPr lang="en-US" dirty="0"/>
